--- a/doc/presentation/Codeshop.pptx
+++ b/doc/presentation/Codeshop.pptx
@@ -151,100 +151,6 @@
       </p:grpSpPr>
       <p:sp>
         <p:nvSpPr>
-          <p:cNvPr id="12" name="Rechteck 11"/>
-          <p:cNvSpPr/>
-          <p:nvPr/>
-        </p:nvSpPr>
-        <p:spPr>
-          <a:xfrm>
-            <a:off x="0" y="0"/>
-            <a:ext cx="9144000" cy="6858000"/>
-          </a:xfrm>
-          <a:prstGeom prst="rect">
-            <a:avLst/>
-          </a:prstGeom>
-          <a:solidFill>
-            <a:srgbClr val="FFFFFF"/>
-          </a:solidFill>
-          <a:ln w="12700" cap="flat" cmpd="sng" algn="ctr">
-            <a:noFill/>
-            <a:prstDash val="solid"/>
-          </a:ln>
-        </p:spPr>
-        <p:style>
-          <a:lnRef idx="2">
-            <a:schemeClr val="accent1"/>
-          </a:lnRef>
-          <a:fillRef idx="1">
-            <a:schemeClr val="accent1"/>
-          </a:fillRef>
-          <a:effectRef idx="0">
-            <a:schemeClr val="accent1"/>
-          </a:effectRef>
-          <a:fontRef idx="minor">
-            <a:schemeClr val="lt1"/>
-          </a:fontRef>
-        </p:style>
-        <p:txBody>
-          <a:bodyPr rtlCol="0" anchor="ctr"/>
-          <a:lstStyle/>
-          <a:p>
-            <a:pPr algn="ctr" eaLnBrk="1" latinLnBrk="0" hangingPunct="1"/>
-            <a:endParaRPr kumimoji="0" lang="en-US"/>
-          </a:p>
-        </p:txBody>
-      </p:sp>
-      <p:sp useBgFill="1">
-        <p:nvSpPr>
-          <p:cNvPr id="13" name="Abgerundetes Rechteck 12"/>
-          <p:cNvSpPr/>
-          <p:nvPr/>
-        </p:nvSpPr>
-        <p:spPr>
-          <a:xfrm>
-            <a:off x="65313" y="69755"/>
-            <a:ext cx="9013372" cy="6692201"/>
-          </a:xfrm>
-          <a:prstGeom prst="roundRect">
-            <a:avLst>
-              <a:gd name="adj" fmla="val 4929"/>
-            </a:avLst>
-          </a:prstGeom>
-          <a:ln w="6350" cap="sq" cmpd="sng" algn="ctr">
-            <a:solidFill>
-              <a:schemeClr val="tx1">
-                <a:alpha val="100000"/>
-              </a:schemeClr>
-            </a:solidFill>
-            <a:prstDash val="solid"/>
-          </a:ln>
-          <a:effectLst/>
-        </p:spPr>
-        <p:style>
-          <a:lnRef idx="3">
-            <a:schemeClr val="lt1"/>
-          </a:lnRef>
-          <a:fillRef idx="1001">
-            <a:schemeClr val="lt1"/>
-          </a:fillRef>
-          <a:effectRef idx="1">
-            <a:schemeClr val="accent1"/>
-          </a:effectRef>
-          <a:fontRef idx="minor">
-            <a:schemeClr val="lt1"/>
-          </a:fontRef>
-        </p:style>
-        <p:txBody>
-          <a:bodyPr anchor="ctr"/>
-          <a:lstStyle/>
-          <a:p>
-            <a:pPr algn="ctr" eaLnBrk="1" latinLnBrk="0" hangingPunct="1"/>
-            <a:endParaRPr kumimoji="0" lang="en-US"/>
-          </a:p>
-        </p:txBody>
-      </p:sp>
-      <p:sp>
-        <p:nvSpPr>
           <p:cNvPr id="9" name="Untertitel 8"/>
           <p:cNvSpPr>
             <a:spLocks noGrp="1"/>
@@ -321,7 +227,7 @@
           <a:p>
             <a:fld id="{635F720A-F23C-4F0A-899C-2EF970456088}" type="datetimeFigureOut">
               <a:rPr lang="de-CH" smtClean="0"/>
-              <a:t>07.01.2015</a:t>
+              <a:t>08.01.2015</a:t>
             </a:fld>
             <a:endParaRPr lang="de-CH"/>
           </a:p>
@@ -681,7 +587,7 @@
           <a:p>
             <a:fld id="{635F720A-F23C-4F0A-899C-2EF970456088}" type="datetimeFigureOut">
               <a:rPr lang="de-CH" smtClean="0"/>
-              <a:t>07.01.2015</a:t>
+              <a:t>08.01.2015</a:t>
             </a:fld>
             <a:endParaRPr lang="de-CH"/>
           </a:p>
@@ -863,7 +769,7 @@
           <a:p>
             <a:fld id="{635F720A-F23C-4F0A-899C-2EF970456088}" type="datetimeFigureOut">
               <a:rPr lang="de-CH" smtClean="0"/>
-              <a:t>07.01.2015</a:t>
+              <a:t>08.01.2015</a:t>
             </a:fld>
             <a:endParaRPr lang="de-CH"/>
           </a:p>
@@ -983,7 +889,7 @@
           <a:p>
             <a:fld id="{635F720A-F23C-4F0A-899C-2EF970456088}" type="datetimeFigureOut">
               <a:rPr lang="de-CH" smtClean="0"/>
-              <a:t>07.01.2015</a:t>
+              <a:t>08.01.2015</a:t>
             </a:fld>
             <a:endParaRPr lang="de-CH"/>
           </a:p>
@@ -1343,7 +1249,7 @@
           <a:p>
             <a:fld id="{635F720A-F23C-4F0A-899C-2EF970456088}" type="datetimeFigureOut">
               <a:rPr lang="de-CH" smtClean="0"/>
-              <a:t>07.01.2015</a:t>
+              <a:t>08.01.2015</a:t>
             </a:fld>
             <a:endParaRPr lang="de-CH"/>
           </a:p>
@@ -1615,7 +1521,7 @@
           <a:p>
             <a:fld id="{635F720A-F23C-4F0A-899C-2EF970456088}" type="datetimeFigureOut">
               <a:rPr lang="de-CH" smtClean="0"/>
-              <a:t>07.01.2015</a:t>
+              <a:t>08.01.2015</a:t>
             </a:fld>
             <a:endParaRPr lang="de-CH"/>
           </a:p>
@@ -1984,7 +1890,7 @@
           <a:p>
             <a:fld id="{635F720A-F23C-4F0A-899C-2EF970456088}" type="datetimeFigureOut">
               <a:rPr lang="de-CH" smtClean="0"/>
-              <a:t>07.01.2015</a:t>
+              <a:t>08.01.2015</a:t>
             </a:fld>
             <a:endParaRPr lang="de-CH"/>
           </a:p>
@@ -2218,7 +2124,7 @@
           <a:p>
             <a:fld id="{635F720A-F23C-4F0A-899C-2EF970456088}" type="datetimeFigureOut">
               <a:rPr lang="de-CH" smtClean="0"/>
-              <a:t>07.01.2015</a:t>
+              <a:t>08.01.2015</a:t>
             </a:fld>
             <a:endParaRPr lang="de-CH"/>
           </a:p>
@@ -2308,7 +2214,7 @@
           <a:p>
             <a:fld id="{635F720A-F23C-4F0A-899C-2EF970456088}" type="datetimeFigureOut">
               <a:rPr lang="de-CH" smtClean="0"/>
-              <a:t>07.01.2015</a:t>
+              <a:t>08.01.2015</a:t>
             </a:fld>
             <a:endParaRPr lang="de-CH"/>
           </a:p>
@@ -2582,7 +2488,7 @@
           <a:p>
             <a:fld id="{635F720A-F23C-4F0A-899C-2EF970456088}" type="datetimeFigureOut">
               <a:rPr lang="de-CH" smtClean="0"/>
-              <a:t>07.01.2015</a:t>
+              <a:t>08.01.2015</a:t>
             </a:fld>
             <a:endParaRPr lang="de-CH"/>
           </a:p>
@@ -2817,7 +2723,7 @@
           <a:p>
             <a:fld id="{635F720A-F23C-4F0A-899C-2EF970456088}" type="datetimeFigureOut">
               <a:rPr lang="de-CH" smtClean="0"/>
-              <a:t>07.01.2015</a:t>
+              <a:t>08.01.2015</a:t>
             </a:fld>
             <a:endParaRPr lang="de-CH"/>
           </a:p>
@@ -3142,55 +3048,6 @@
           </a:p>
         </p:txBody>
       </p:sp>
-      <p:sp useBgFill="1">
-        <p:nvSpPr>
-          <p:cNvPr id="8" name="Abgerundetes Rechteck 7"/>
-          <p:cNvSpPr/>
-          <p:nvPr/>
-        </p:nvSpPr>
-        <p:spPr>
-          <a:xfrm>
-            <a:off x="64008" y="69755"/>
-            <a:ext cx="9013372" cy="6693408"/>
-          </a:xfrm>
-          <a:prstGeom prst="roundRect">
-            <a:avLst>
-              <a:gd name="adj" fmla="val 4929"/>
-            </a:avLst>
-          </a:prstGeom>
-          <a:ln w="6350" cap="sq" cmpd="sng" algn="ctr">
-            <a:solidFill>
-              <a:schemeClr val="tx1">
-                <a:alpha val="100000"/>
-              </a:schemeClr>
-            </a:solidFill>
-            <a:prstDash val="solid"/>
-          </a:ln>
-          <a:effectLst/>
-        </p:spPr>
-        <p:style>
-          <a:lnRef idx="3">
-            <a:schemeClr val="lt1"/>
-          </a:lnRef>
-          <a:fillRef idx="1001">
-            <a:schemeClr val="lt1"/>
-          </a:fillRef>
-          <a:effectRef idx="1">
-            <a:schemeClr val="accent1"/>
-          </a:effectRef>
-          <a:fontRef idx="minor">
-            <a:schemeClr val="lt1"/>
-          </a:fontRef>
-        </p:style>
-        <p:txBody>
-          <a:bodyPr anchor="ctr"/>
-          <a:lstStyle/>
-          <a:p>
-            <a:pPr algn="ctr" eaLnBrk="1" latinLnBrk="0" hangingPunct="1"/>
-            <a:endParaRPr kumimoji="0" lang="en-US"/>
-          </a:p>
-        </p:txBody>
-      </p:sp>
       <p:sp>
         <p:nvSpPr>
           <p:cNvPr id="22" name="Titelplatzhalter 21"/>
@@ -3319,7 +3176,7 @@
           <a:p>
             <a:fld id="{635F720A-F23C-4F0A-899C-2EF970456088}" type="datetimeFigureOut">
               <a:rPr lang="de-CH" smtClean="0"/>
-              <a:t>07.01.2015</a:t>
+              <a:t>08.01.2015</a:t>
             </a:fld>
             <a:endParaRPr lang="de-CH"/>
           </a:p>
@@ -3732,43 +3589,32 @@
       </p:grpSpPr>
       <p:pic>
         <p:nvPicPr>
-          <p:cNvPr id="4098" name="Picture 2" descr="E:\codeshop\logo.png"/>
+          <p:cNvPr id="2" name="Grafik 1"/>
           <p:cNvPicPr>
-            <a:picLocks noChangeAspect="1" noChangeArrowheads="1"/>
+            <a:picLocks noChangeAspect="1"/>
           </p:cNvPicPr>
           <p:nvPr/>
         </p:nvPicPr>
         <p:blipFill>
-          <a:blip r:embed="rId2">
+          <a:blip r:embed="rId2" cstate="print">
             <a:extLst>
               <a:ext uri="{28A0092B-C50C-407E-A947-70E740481C1C}">
                 <a14:useLocalDpi xmlns:a14="http://schemas.microsoft.com/office/drawing/2010/main" val="0"/>
               </a:ext>
             </a:extLst>
           </a:blip>
-          <a:srcRect/>
           <a:stretch>
             <a:fillRect/>
           </a:stretch>
         </p:blipFill>
-        <p:spPr bwMode="auto">
-          <a:xfrm>
-            <a:off x="3750802" y="2420888"/>
-            <a:ext cx="1625987" cy="1512168"/>
+        <p:spPr>
+          <a:xfrm>
+            <a:off x="3563889" y="2494481"/>
+            <a:ext cx="2016222" cy="1869038"/>
           </a:xfrm>
           <a:prstGeom prst="rect">
             <a:avLst/>
           </a:prstGeom>
-          <a:noFill/>
-          <a:extLst>
-            <a:ext uri="{909E8E84-426E-40DD-AFC4-6F175D3DCCD1}">
-              <a14:hiddenFill xmlns:a14="http://schemas.microsoft.com/office/drawing/2010/main">
-                <a:solidFill>
-                  <a:srgbClr val="FFFFFF"/>
-                </a:solidFill>
-              </a14:hiddenFill>
-            </a:ext>
-          </a:extLst>
         </p:spPr>
       </p:pic>
     </p:spTree>

--- a/doc/presentation/Codeshop.pptx
+++ b/doc/presentation/Codeshop.pptx
@@ -8,29 +8,31 @@
     <p:sldId id="262" r:id="rId2"/>
     <p:sldId id="264" r:id="rId3"/>
     <p:sldId id="265" r:id="rId4"/>
-    <p:sldId id="259" r:id="rId5"/>
-    <p:sldId id="266" r:id="rId6"/>
-    <p:sldId id="261" r:id="rId7"/>
-    <p:sldId id="267" r:id="rId8"/>
-    <p:sldId id="268" r:id="rId9"/>
-    <p:sldId id="281" r:id="rId10"/>
-    <p:sldId id="270" r:id="rId11"/>
-    <p:sldId id="271" r:id="rId12"/>
-    <p:sldId id="272" r:id="rId13"/>
-    <p:sldId id="275" r:id="rId14"/>
-    <p:sldId id="280" r:id="rId15"/>
-    <p:sldId id="276" r:id="rId16"/>
-    <p:sldId id="277" r:id="rId17"/>
-    <p:sldId id="278" r:id="rId18"/>
-    <p:sldId id="279" r:id="rId19"/>
-    <p:sldId id="282" r:id="rId20"/>
-    <p:sldId id="283" r:id="rId21"/>
-    <p:sldId id="284" r:id="rId22"/>
-    <p:sldId id="287" r:id="rId23"/>
-    <p:sldId id="288" r:id="rId24"/>
-    <p:sldId id="289" r:id="rId25"/>
-    <p:sldId id="290" r:id="rId26"/>
-    <p:sldId id="291" r:id="rId27"/>
+    <p:sldId id="292" r:id="rId5"/>
+    <p:sldId id="293" r:id="rId6"/>
+    <p:sldId id="259" r:id="rId7"/>
+    <p:sldId id="266" r:id="rId8"/>
+    <p:sldId id="261" r:id="rId9"/>
+    <p:sldId id="267" r:id="rId10"/>
+    <p:sldId id="268" r:id="rId11"/>
+    <p:sldId id="281" r:id="rId12"/>
+    <p:sldId id="270" r:id="rId13"/>
+    <p:sldId id="271" r:id="rId14"/>
+    <p:sldId id="272" r:id="rId15"/>
+    <p:sldId id="275" r:id="rId16"/>
+    <p:sldId id="280" r:id="rId17"/>
+    <p:sldId id="276" r:id="rId18"/>
+    <p:sldId id="277" r:id="rId19"/>
+    <p:sldId id="278" r:id="rId20"/>
+    <p:sldId id="279" r:id="rId21"/>
+    <p:sldId id="282" r:id="rId22"/>
+    <p:sldId id="283" r:id="rId23"/>
+    <p:sldId id="284" r:id="rId24"/>
+    <p:sldId id="287" r:id="rId25"/>
+    <p:sldId id="288" r:id="rId26"/>
+    <p:sldId id="289" r:id="rId27"/>
+    <p:sldId id="290" r:id="rId28"/>
+    <p:sldId id="291" r:id="rId29"/>
   </p:sldIdLst>
   <p:sldSz cx="9144000" cy="6858000" type="screen4x3"/>
   <p:notesSz cx="6858000" cy="9144000"/>
@@ -227,7 +229,7 @@
           <a:p>
             <a:fld id="{635F720A-F23C-4F0A-899C-2EF970456088}" type="datetimeFigureOut">
               <a:rPr lang="de-CH" smtClean="0"/>
-              <a:t>08.01.2015</a:t>
+              <a:t>09.01.2015</a:t>
             </a:fld>
             <a:endParaRPr lang="de-CH"/>
           </a:p>
@@ -587,7 +589,7 @@
           <a:p>
             <a:fld id="{635F720A-F23C-4F0A-899C-2EF970456088}" type="datetimeFigureOut">
               <a:rPr lang="de-CH" smtClean="0"/>
-              <a:t>08.01.2015</a:t>
+              <a:t>09.01.2015</a:t>
             </a:fld>
             <a:endParaRPr lang="de-CH"/>
           </a:p>
@@ -769,7 +771,7 @@
           <a:p>
             <a:fld id="{635F720A-F23C-4F0A-899C-2EF970456088}" type="datetimeFigureOut">
               <a:rPr lang="de-CH" smtClean="0"/>
-              <a:t>08.01.2015</a:t>
+              <a:t>09.01.2015</a:t>
             </a:fld>
             <a:endParaRPr lang="de-CH"/>
           </a:p>
@@ -889,7 +891,7 @@
           <a:p>
             <a:fld id="{635F720A-F23C-4F0A-899C-2EF970456088}" type="datetimeFigureOut">
               <a:rPr lang="de-CH" smtClean="0"/>
-              <a:t>08.01.2015</a:t>
+              <a:t>09.01.2015</a:t>
             </a:fld>
             <a:endParaRPr lang="de-CH"/>
           </a:p>
@@ -1249,7 +1251,7 @@
           <a:p>
             <a:fld id="{635F720A-F23C-4F0A-899C-2EF970456088}" type="datetimeFigureOut">
               <a:rPr lang="de-CH" smtClean="0"/>
-              <a:t>08.01.2015</a:t>
+              <a:t>09.01.2015</a:t>
             </a:fld>
             <a:endParaRPr lang="de-CH"/>
           </a:p>
@@ -1521,7 +1523,7 @@
           <a:p>
             <a:fld id="{635F720A-F23C-4F0A-899C-2EF970456088}" type="datetimeFigureOut">
               <a:rPr lang="de-CH" smtClean="0"/>
-              <a:t>08.01.2015</a:t>
+              <a:t>09.01.2015</a:t>
             </a:fld>
             <a:endParaRPr lang="de-CH"/>
           </a:p>
@@ -1890,7 +1892,7 @@
           <a:p>
             <a:fld id="{635F720A-F23C-4F0A-899C-2EF970456088}" type="datetimeFigureOut">
               <a:rPr lang="de-CH" smtClean="0"/>
-              <a:t>08.01.2015</a:t>
+              <a:t>09.01.2015</a:t>
             </a:fld>
             <a:endParaRPr lang="de-CH"/>
           </a:p>
@@ -2124,7 +2126,7 @@
           <a:p>
             <a:fld id="{635F720A-F23C-4F0A-899C-2EF970456088}" type="datetimeFigureOut">
               <a:rPr lang="de-CH" smtClean="0"/>
-              <a:t>08.01.2015</a:t>
+              <a:t>09.01.2015</a:t>
             </a:fld>
             <a:endParaRPr lang="de-CH"/>
           </a:p>
@@ -2214,7 +2216,7 @@
           <a:p>
             <a:fld id="{635F720A-F23C-4F0A-899C-2EF970456088}" type="datetimeFigureOut">
               <a:rPr lang="de-CH" smtClean="0"/>
-              <a:t>08.01.2015</a:t>
+              <a:t>09.01.2015</a:t>
             </a:fld>
             <a:endParaRPr lang="de-CH"/>
           </a:p>
@@ -2488,7 +2490,7 @@
           <a:p>
             <a:fld id="{635F720A-F23C-4F0A-899C-2EF970456088}" type="datetimeFigureOut">
               <a:rPr lang="de-CH" smtClean="0"/>
-              <a:t>08.01.2015</a:t>
+              <a:t>09.01.2015</a:t>
             </a:fld>
             <a:endParaRPr lang="de-CH"/>
           </a:p>
@@ -2723,7 +2725,7 @@
           <a:p>
             <a:fld id="{635F720A-F23C-4F0A-899C-2EF970456088}" type="datetimeFigureOut">
               <a:rPr lang="de-CH" smtClean="0"/>
-              <a:t>08.01.2015</a:t>
+              <a:t>09.01.2015</a:t>
             </a:fld>
             <a:endParaRPr lang="de-CH"/>
           </a:p>
@@ -3176,7 +3178,7 @@
           <a:p>
             <a:fld id="{635F720A-F23C-4F0A-899C-2EF970456088}" type="datetimeFigureOut">
               <a:rPr lang="de-CH" smtClean="0"/>
-              <a:t>08.01.2015</a:t>
+              <a:t>09.01.2015</a:t>
             </a:fld>
             <a:endParaRPr lang="de-CH"/>
           </a:p>
@@ -3654,63 +3656,9 @@
           <a:chExt cx="0" cy="0"/>
         </a:xfrm>
       </p:grpSpPr>
-      <p:sp>
-        <p:nvSpPr>
-          <p:cNvPr id="2" name="Titel 1"/>
-          <p:cNvSpPr>
-            <a:spLocks noGrp="1"/>
-          </p:cNvSpPr>
-          <p:nvPr>
-            <p:ph type="title"/>
-          </p:nvPr>
-        </p:nvSpPr>
-        <p:spPr/>
-        <p:txBody>
-          <a:bodyPr/>
-          <a:lstStyle/>
-          <a:p>
-            <a:r>
-              <a:rPr lang="en-US" dirty="0" smtClean="0"/>
-              <a:t>Features</a:t>
-            </a:r>
-            <a:endParaRPr lang="de-CH" dirty="0"/>
-          </a:p>
-        </p:txBody>
-      </p:sp>
-      <p:sp>
-        <p:nvSpPr>
-          <p:cNvPr id="3" name="Inhaltsplatzhalter 2"/>
-          <p:cNvSpPr>
-            <a:spLocks noGrp="1"/>
-          </p:cNvSpPr>
-          <p:nvPr>
-            <p:ph sz="quarter" idx="1"/>
-          </p:nvPr>
-        </p:nvSpPr>
-        <p:spPr/>
-        <p:txBody>
-          <a:bodyPr/>
-          <a:lstStyle/>
-          <a:p>
-            <a:r>
-              <a:rPr lang="en-US" dirty="0" smtClean="0"/>
-              <a:t>Clean </a:t>
-            </a:r>
-            <a:r>
-              <a:rPr lang="en-US" dirty="0" err="1"/>
-              <a:t>url</a:t>
-            </a:r>
-            <a:r>
-              <a:rPr lang="en-US" dirty="0"/>
-              <a:t> </a:t>
-            </a:r>
-            <a:endParaRPr lang="de-CH" dirty="0"/>
-          </a:p>
-        </p:txBody>
-      </p:sp>
       <p:pic>
         <p:nvPicPr>
-          <p:cNvPr id="8" name="Picture 2" descr="E:\codeshop\seo-url.png"/>
+          <p:cNvPr id="7173" name="Picture 5" descr="E:\codeshop\search-1.png"/>
           <p:cNvPicPr>
             <a:picLocks noChangeAspect="1" noChangeArrowheads="1"/>
           </p:cNvPicPr>
@@ -3731,8 +3679,8 @@
         </p:blipFill>
         <p:spPr bwMode="auto">
           <a:xfrm>
-            <a:off x="1115616" y="1916832"/>
-            <a:ext cx="7056784" cy="4610130"/>
+            <a:off x="262652" y="2708920"/>
+            <a:ext cx="8585200" cy="2236787"/>
           </a:xfrm>
           <a:prstGeom prst="rect">
             <a:avLst/>
@@ -3751,14 +3699,60 @@
       </p:pic>
       <p:sp>
         <p:nvSpPr>
+          <p:cNvPr id="2" name="Titel 1"/>
+          <p:cNvSpPr>
+            <a:spLocks noGrp="1"/>
+          </p:cNvSpPr>
+          <p:nvPr>
+            <p:ph type="title"/>
+          </p:nvPr>
+        </p:nvSpPr>
+        <p:spPr/>
+        <p:txBody>
+          <a:bodyPr/>
+          <a:lstStyle/>
+          <a:p>
+            <a:r>
+              <a:rPr lang="en-US" dirty="0" smtClean="0"/>
+              <a:t>Features</a:t>
+            </a:r>
+            <a:endParaRPr lang="de-CH" dirty="0"/>
+          </a:p>
+        </p:txBody>
+      </p:sp>
+      <p:sp>
+        <p:nvSpPr>
+          <p:cNvPr id="3" name="Inhaltsplatzhalter 2"/>
+          <p:cNvSpPr>
+            <a:spLocks noGrp="1"/>
+          </p:cNvSpPr>
+          <p:nvPr>
+            <p:ph sz="quarter" idx="1"/>
+          </p:nvPr>
+        </p:nvSpPr>
+        <p:spPr/>
+        <p:txBody>
+          <a:bodyPr/>
+          <a:lstStyle/>
+          <a:p>
+            <a:r>
+              <a:rPr lang="en-US" dirty="0" smtClean="0"/>
+              <a:t>i18n – search</a:t>
+            </a:r>
+            <a:endParaRPr lang="de-CH" dirty="0"/>
+          </a:p>
+        </p:txBody>
+      </p:sp>
+      <p:sp>
+        <p:nvSpPr>
           <p:cNvPr id="9" name="Rechteck 8"/>
           <p:cNvSpPr/>
           <p:nvPr/>
         </p:nvSpPr>
         <p:spPr>
           <a:xfrm>
-            <a:off x="1907704" y="2276872"/>
-            <a:ext cx="2592288" cy="286276"/>
+            <a:off x="6588224" y="2708920"/>
+            <a:ext cx="2160240" cy="432048"/>
           </a:xfrm>
           <a:prstGeom prst="rect">
             <a:avLst/>
@@ -3799,10 +3793,60 @@
           </a:p>
         </p:txBody>
       </p:sp>
+      <p:sp>
+        <p:nvSpPr>
+          <p:cNvPr id="12" name="Rechteck 11"/>
+          <p:cNvSpPr/>
+          <p:nvPr/>
+        </p:nvSpPr>
+        <p:spPr>
+          <a:xfrm>
+            <a:off x="467544" y="3933055"/>
+            <a:ext cx="549406" cy="216025"/>
+          </a:xfrm>
+          <a:prstGeom prst="rect">
+            <a:avLst/>
+          </a:prstGeom>
+          <a:noFill/>
+          <a:ln w="38100">
+            <a:solidFill>
+              <a:schemeClr val="accent1"/>
+            </a:solidFill>
+          </a:ln>
+        </p:spPr>
+        <p:style>
+          <a:lnRef idx="2">
+            <a:schemeClr val="accent1">
+              <a:shade val="50000"/>
+            </a:schemeClr>
+          </a:lnRef>
+          <a:fillRef idx="1">
+            <a:schemeClr val="accent1"/>
+          </a:fillRef>
+          <a:effectRef idx="0">
+            <a:schemeClr val="accent1"/>
+          </a:effectRef>
+          <a:fontRef idx="minor">
+            <a:schemeClr val="lt1"/>
+          </a:fontRef>
+        </p:style>
+        <p:txBody>
+          <a:bodyPr rtlCol="0" anchor="ctr"/>
+          <a:lstStyle/>
+          <a:p>
+            <a:pPr algn="r"/>
+            <a:endParaRPr lang="de-CH" sz="6000" dirty="0">
+              <a:solidFill>
+                <a:srgbClr val="FF0000"/>
+              </a:solidFill>
+            </a:endParaRPr>
+          </a:p>
+        </p:txBody>
+      </p:sp>
     </p:spTree>
     <p:extLst>
       <p:ext uri="{BB962C8B-B14F-4D97-AF65-F5344CB8AC3E}">
-        <p14:creationId xmlns:p14="http://schemas.microsoft.com/office/powerpoint/2010/main" val="2951428358"/>
+        <p14:creationId xmlns:p14="http://schemas.microsoft.com/office/powerpoint/2010/main" val="2729335036"/>
       </p:ext>
     </p:extLst>
   </p:cSld>
@@ -3876,7 +3920,11 @@
           <a:p>
             <a:r>
               <a:rPr lang="en-US" dirty="0" smtClean="0"/>
-              <a:t>Responsive design</a:t>
+              <a:t>i18n – </a:t>
+            </a:r>
+            <a:r>
+              <a:rPr lang="en-US" dirty="0" err="1" smtClean="0"/>
+              <a:t>url</a:t>
             </a:r>
             <a:endParaRPr lang="de-CH" dirty="0"/>
           </a:p>
@@ -3884,7 +3932,7 @@
       </p:sp>
       <p:pic>
         <p:nvPicPr>
-          <p:cNvPr id="9218" name="Picture 2" descr="E:\codeshop\responsive-3.png"/>
+          <p:cNvPr id="8" name="Picture 2" descr="E:\codeshop\seo-url.png"/>
           <p:cNvPicPr>
             <a:picLocks noChangeAspect="1" noChangeArrowheads="1"/>
           </p:cNvPicPr>
@@ -3905,8 +3953,8 @@
         </p:blipFill>
         <p:spPr bwMode="auto">
           <a:xfrm>
-            <a:off x="922670" y="3284984"/>
-            <a:ext cx="7093144" cy="1209088"/>
+            <a:off x="1115616" y="1916832"/>
+            <a:ext cx="7056784" cy="4610130"/>
           </a:xfrm>
           <a:prstGeom prst="rect">
             <a:avLst/>
@@ -3923,92 +3971,60 @@
           </a:extLst>
         </p:spPr>
       </p:pic>
-      <p:pic>
-        <p:nvPicPr>
-          <p:cNvPr id="9219" name="Picture 3" descr="E:\codeshop\responsive-1.png"/>
-          <p:cNvPicPr>
-            <a:picLocks noChangeAspect="1" noChangeArrowheads="1"/>
-          </p:cNvPicPr>
+      <p:sp>
+        <p:nvSpPr>
+          <p:cNvPr id="9" name="Rechteck 8"/>
+          <p:cNvSpPr/>
           <p:nvPr/>
-        </p:nvPicPr>
-        <p:blipFill>
-          <a:blip r:embed="rId3">
-            <a:extLst>
-              <a:ext uri="{28A0092B-C50C-407E-A947-70E740481C1C}">
-                <a14:useLocalDpi xmlns:a14="http://schemas.microsoft.com/office/drawing/2010/main" val="0"/>
-              </a:ext>
-            </a:extLst>
-          </a:blip>
-          <a:srcRect/>
-          <a:stretch>
-            <a:fillRect/>
-          </a:stretch>
-        </p:blipFill>
-        <p:spPr bwMode="auto">
-          <a:xfrm>
-            <a:off x="539552" y="2060848"/>
-            <a:ext cx="7859381" cy="846652"/>
+        </p:nvSpPr>
+        <p:spPr>
+          <a:xfrm>
+            <a:off x="2987824" y="2276872"/>
+            <a:ext cx="360040" cy="286276"/>
           </a:xfrm>
           <a:prstGeom prst="rect">
             <a:avLst/>
           </a:prstGeom>
           <a:noFill/>
-          <a:extLst>
-            <a:ext uri="{909E8E84-426E-40DD-AFC4-6F175D3DCCD1}">
-              <a14:hiddenFill xmlns:a14="http://schemas.microsoft.com/office/drawing/2010/main">
-                <a:solidFill>
-                  <a:srgbClr val="FFFFFF"/>
-                </a:solidFill>
-              </a14:hiddenFill>
-            </a:ext>
-          </a:extLst>
-        </p:spPr>
-      </p:pic>
-      <p:pic>
-        <p:nvPicPr>
-          <p:cNvPr id="9220" name="Picture 4" descr="E:\codeshop\responsive-2.png"/>
-          <p:cNvPicPr>
-            <a:picLocks noChangeAspect="1" noChangeArrowheads="1"/>
-          </p:cNvPicPr>
-          <p:nvPr/>
-        </p:nvPicPr>
-        <p:blipFill>
-          <a:blip r:embed="rId4">
-            <a:extLst>
-              <a:ext uri="{28A0092B-C50C-407E-A947-70E740481C1C}">
-                <a14:useLocalDpi xmlns:a14="http://schemas.microsoft.com/office/drawing/2010/main" val="0"/>
-              </a:ext>
-            </a:extLst>
-          </a:blip>
-          <a:srcRect/>
-          <a:stretch>
-            <a:fillRect/>
-          </a:stretch>
-        </p:blipFill>
-        <p:spPr bwMode="auto">
-          <a:xfrm>
-            <a:off x="1519541" y="5013176"/>
-            <a:ext cx="5899402" cy="1425412"/>
-          </a:xfrm>
-          <a:prstGeom prst="rect">
-            <a:avLst/>
-          </a:prstGeom>
-          <a:noFill/>
-          <a:extLst>
-            <a:ext uri="{909E8E84-426E-40DD-AFC4-6F175D3DCCD1}">
-              <a14:hiddenFill xmlns:a14="http://schemas.microsoft.com/office/drawing/2010/main">
-                <a:solidFill>
-                  <a:srgbClr val="FFFFFF"/>
-                </a:solidFill>
-              </a14:hiddenFill>
-            </a:ext>
-          </a:extLst>
-        </p:spPr>
-      </p:pic>
+          <a:ln w="38100">
+            <a:solidFill>
+              <a:schemeClr val="accent1"/>
+            </a:solidFill>
+          </a:ln>
+        </p:spPr>
+        <p:style>
+          <a:lnRef idx="2">
+            <a:schemeClr val="accent1">
+              <a:shade val="50000"/>
+            </a:schemeClr>
+          </a:lnRef>
+          <a:fillRef idx="1">
+            <a:schemeClr val="accent1"/>
+          </a:fillRef>
+          <a:effectRef idx="0">
+            <a:schemeClr val="accent1"/>
+          </a:effectRef>
+          <a:fontRef idx="minor">
+            <a:schemeClr val="lt1"/>
+          </a:fontRef>
+        </p:style>
+        <p:txBody>
+          <a:bodyPr rtlCol="0" anchor="ctr"/>
+          <a:lstStyle/>
+          <a:p>
+            <a:pPr algn="r"/>
+            <a:endParaRPr lang="de-CH" sz="6000" dirty="0">
+              <a:solidFill>
+                <a:srgbClr val="FF0000"/>
+              </a:solidFill>
+            </a:endParaRPr>
+          </a:p>
+        </p:txBody>
+      </p:sp>
     </p:spTree>
     <p:extLst>
       <p:ext uri="{BB962C8B-B14F-4D97-AF65-F5344CB8AC3E}">
-        <p14:creationId xmlns:p14="http://schemas.microsoft.com/office/powerpoint/2010/main" val="2423593301"/>
+        <p14:creationId xmlns:p14="http://schemas.microsoft.com/office/powerpoint/2010/main" val="243466116"/>
       </p:ext>
     </p:extLst>
   </p:cSld>
@@ -4059,7 +4075,7 @@
           <a:p>
             <a:r>
               <a:rPr lang="en-US" dirty="0" smtClean="0"/>
-              <a:t>Feature</a:t>
+              <a:t>Features</a:t>
             </a:r>
             <a:endParaRPr lang="de-CH" dirty="0"/>
           </a:p>
@@ -4082,7 +4098,15 @@
           <a:p>
             <a:r>
               <a:rPr lang="en-US" dirty="0" smtClean="0"/>
-              <a:t>Wikipedia web service consuming</a:t>
+              <a:t>Clean </a:t>
+            </a:r>
+            <a:r>
+              <a:rPr lang="en-US" dirty="0" err="1"/>
+              <a:t>url</a:t>
+            </a:r>
+            <a:r>
+              <a:rPr lang="en-US" dirty="0"/>
+              <a:t> </a:t>
             </a:r>
             <a:endParaRPr lang="de-CH" dirty="0"/>
           </a:p>
@@ -4090,7 +4114,7 @@
       </p:sp>
       <p:pic>
         <p:nvPicPr>
-          <p:cNvPr id="10242" name="Picture 2" descr="E:\codeshop\ws-wiki.png"/>
+          <p:cNvPr id="8" name="Picture 2" descr="E:\codeshop\seo-url.png"/>
           <p:cNvPicPr>
             <a:picLocks noChangeAspect="1" noChangeArrowheads="1"/>
           </p:cNvPicPr>
@@ -4111,8 +4135,8 @@
         </p:blipFill>
         <p:spPr bwMode="auto">
           <a:xfrm>
-            <a:off x="225623" y="2420888"/>
-            <a:ext cx="8727867" cy="2664296"/>
+            <a:off x="1115616" y="1916832"/>
+            <a:ext cx="7056784" cy="4610130"/>
           </a:xfrm>
           <a:prstGeom prst="rect">
             <a:avLst/>
@@ -4131,14 +4155,14 @@
       </p:pic>
       <p:sp>
         <p:nvSpPr>
-          <p:cNvPr id="5" name="Rechteck 4"/>
+          <p:cNvPr id="9" name="Rechteck 8"/>
           <p:cNvSpPr/>
           <p:nvPr/>
         </p:nvSpPr>
         <p:spPr>
           <a:xfrm>
-            <a:off x="323528" y="3753036"/>
-            <a:ext cx="8496944" cy="1116124"/>
+            <a:off x="1907704" y="2276872"/>
+            <a:ext cx="2592288" cy="286276"/>
           </a:xfrm>
           <a:prstGeom prst="rect">
             <a:avLst/>
@@ -4182,7 +4206,7 @@
     </p:spTree>
     <p:extLst>
       <p:ext uri="{BB962C8B-B14F-4D97-AF65-F5344CB8AC3E}">
-        <p14:creationId xmlns:p14="http://schemas.microsoft.com/office/powerpoint/2010/main" val="1014108445"/>
+        <p14:creationId xmlns:p14="http://schemas.microsoft.com/office/powerpoint/2010/main" val="2951428358"/>
       </p:ext>
     </p:extLst>
   </p:cSld>
@@ -4256,7 +4280,7 @@
           <a:p>
             <a:r>
               <a:rPr lang="en-US" dirty="0" smtClean="0"/>
-              <a:t>User content – add offers</a:t>
+              <a:t>Responsive design</a:t>
             </a:r>
             <a:endParaRPr lang="de-CH" dirty="0"/>
           </a:p>
@@ -4264,7 +4288,7 @@
       </p:sp>
       <p:pic>
         <p:nvPicPr>
-          <p:cNvPr id="12290" name="Picture 2" descr="E:\codeshop\user-content.png"/>
+          <p:cNvPr id="9218" name="Picture 2" descr="E:\codeshop\responsive-3.png"/>
           <p:cNvPicPr>
             <a:picLocks noChangeAspect="1" noChangeArrowheads="1"/>
           </p:cNvPicPr>
@@ -4285,8 +4309,8 @@
         </p:blipFill>
         <p:spPr bwMode="auto">
           <a:xfrm>
-            <a:off x="179512" y="1988840"/>
-            <a:ext cx="8535987" cy="4532313"/>
+            <a:off x="922670" y="3284984"/>
+            <a:ext cx="7093144" cy="1209088"/>
           </a:xfrm>
           <a:prstGeom prst="rect">
             <a:avLst/>
@@ -4303,10 +4327,92 @@
           </a:extLst>
         </p:spPr>
       </p:pic>
+      <p:pic>
+        <p:nvPicPr>
+          <p:cNvPr id="9219" name="Picture 3" descr="E:\codeshop\responsive-1.png"/>
+          <p:cNvPicPr>
+            <a:picLocks noChangeAspect="1" noChangeArrowheads="1"/>
+          </p:cNvPicPr>
+          <p:nvPr/>
+        </p:nvPicPr>
+        <p:blipFill>
+          <a:blip r:embed="rId3">
+            <a:extLst>
+              <a:ext uri="{28A0092B-C50C-407E-A947-70E740481C1C}">
+                <a14:useLocalDpi xmlns:a14="http://schemas.microsoft.com/office/drawing/2010/main" val="0"/>
+              </a:ext>
+            </a:extLst>
+          </a:blip>
+          <a:srcRect/>
+          <a:stretch>
+            <a:fillRect/>
+          </a:stretch>
+        </p:blipFill>
+        <p:spPr bwMode="auto">
+          <a:xfrm>
+            <a:off x="539552" y="2060848"/>
+            <a:ext cx="7859381" cy="846652"/>
+          </a:xfrm>
+          <a:prstGeom prst="rect">
+            <a:avLst/>
+          </a:prstGeom>
+          <a:noFill/>
+          <a:extLst>
+            <a:ext uri="{909E8E84-426E-40DD-AFC4-6F175D3DCCD1}">
+              <a14:hiddenFill xmlns:a14="http://schemas.microsoft.com/office/drawing/2010/main">
+                <a:solidFill>
+                  <a:srgbClr val="FFFFFF"/>
+                </a:solidFill>
+              </a14:hiddenFill>
+            </a:ext>
+          </a:extLst>
+        </p:spPr>
+      </p:pic>
+      <p:pic>
+        <p:nvPicPr>
+          <p:cNvPr id="9220" name="Picture 4" descr="E:\codeshop\responsive-2.png"/>
+          <p:cNvPicPr>
+            <a:picLocks noChangeAspect="1" noChangeArrowheads="1"/>
+          </p:cNvPicPr>
+          <p:nvPr/>
+        </p:nvPicPr>
+        <p:blipFill>
+          <a:blip r:embed="rId4">
+            <a:extLst>
+              <a:ext uri="{28A0092B-C50C-407E-A947-70E740481C1C}">
+                <a14:useLocalDpi xmlns:a14="http://schemas.microsoft.com/office/drawing/2010/main" val="0"/>
+              </a:ext>
+            </a:extLst>
+          </a:blip>
+          <a:srcRect/>
+          <a:stretch>
+            <a:fillRect/>
+          </a:stretch>
+        </p:blipFill>
+        <p:spPr bwMode="auto">
+          <a:xfrm>
+            <a:off x="1519541" y="5013176"/>
+            <a:ext cx="5899402" cy="1425412"/>
+          </a:xfrm>
+          <a:prstGeom prst="rect">
+            <a:avLst/>
+          </a:prstGeom>
+          <a:noFill/>
+          <a:extLst>
+            <a:ext uri="{909E8E84-426E-40DD-AFC4-6F175D3DCCD1}">
+              <a14:hiddenFill xmlns:a14="http://schemas.microsoft.com/office/drawing/2010/main">
+                <a:solidFill>
+                  <a:srgbClr val="FFFFFF"/>
+                </a:solidFill>
+              </a14:hiddenFill>
+            </a:ext>
+          </a:extLst>
+        </p:spPr>
+      </p:pic>
     </p:spTree>
     <p:extLst>
       <p:ext uri="{BB962C8B-B14F-4D97-AF65-F5344CB8AC3E}">
-        <p14:creationId xmlns:p14="http://schemas.microsoft.com/office/powerpoint/2010/main" val="1291042802"/>
+        <p14:creationId xmlns:p14="http://schemas.microsoft.com/office/powerpoint/2010/main" val="2423593301"/>
       </p:ext>
     </p:extLst>
   </p:cSld>
@@ -4356,6 +4462,304 @@
           <a:lstStyle/>
           <a:p>
             <a:r>
+              <a:rPr lang="en-US" smtClean="0"/>
+              <a:t>Features</a:t>
+            </a:r>
+            <a:endParaRPr lang="de-CH" dirty="0"/>
+          </a:p>
+        </p:txBody>
+      </p:sp>
+      <p:sp>
+        <p:nvSpPr>
+          <p:cNvPr id="3" name="Inhaltsplatzhalter 2"/>
+          <p:cNvSpPr>
+            <a:spLocks noGrp="1"/>
+          </p:cNvSpPr>
+          <p:nvPr>
+            <p:ph sz="quarter" idx="1"/>
+          </p:nvPr>
+        </p:nvSpPr>
+        <p:spPr/>
+        <p:txBody>
+          <a:bodyPr/>
+          <a:lstStyle/>
+          <a:p>
+            <a:r>
+              <a:rPr lang="en-US" dirty="0" smtClean="0"/>
+              <a:t>Wikipedia web service consuming</a:t>
+            </a:r>
+            <a:endParaRPr lang="de-CH" dirty="0"/>
+          </a:p>
+        </p:txBody>
+      </p:sp>
+      <p:pic>
+        <p:nvPicPr>
+          <p:cNvPr id="10242" name="Picture 2" descr="E:\codeshop\ws-wiki.png"/>
+          <p:cNvPicPr>
+            <a:picLocks noChangeAspect="1" noChangeArrowheads="1"/>
+          </p:cNvPicPr>
+          <p:nvPr/>
+        </p:nvPicPr>
+        <p:blipFill>
+          <a:blip r:embed="rId2">
+            <a:extLst>
+              <a:ext uri="{28A0092B-C50C-407E-A947-70E740481C1C}">
+                <a14:useLocalDpi xmlns:a14="http://schemas.microsoft.com/office/drawing/2010/main" val="0"/>
+              </a:ext>
+            </a:extLst>
+          </a:blip>
+          <a:srcRect/>
+          <a:stretch>
+            <a:fillRect/>
+          </a:stretch>
+        </p:blipFill>
+        <p:spPr bwMode="auto">
+          <a:xfrm>
+            <a:off x="225623" y="2420888"/>
+            <a:ext cx="8727867" cy="2664296"/>
+          </a:xfrm>
+          <a:prstGeom prst="rect">
+            <a:avLst/>
+          </a:prstGeom>
+          <a:noFill/>
+          <a:extLst>
+            <a:ext uri="{909E8E84-426E-40DD-AFC4-6F175D3DCCD1}">
+              <a14:hiddenFill xmlns:a14="http://schemas.microsoft.com/office/drawing/2010/main">
+                <a:solidFill>
+                  <a:srgbClr val="FFFFFF"/>
+                </a:solidFill>
+              </a14:hiddenFill>
+            </a:ext>
+          </a:extLst>
+        </p:spPr>
+      </p:pic>
+      <p:sp>
+        <p:nvSpPr>
+          <p:cNvPr id="5" name="Rechteck 4"/>
+          <p:cNvSpPr/>
+          <p:nvPr/>
+        </p:nvSpPr>
+        <p:spPr>
+          <a:xfrm>
+            <a:off x="323528" y="3753036"/>
+            <a:ext cx="8496944" cy="1116124"/>
+          </a:xfrm>
+          <a:prstGeom prst="rect">
+            <a:avLst/>
+          </a:prstGeom>
+          <a:noFill/>
+          <a:ln w="38100">
+            <a:solidFill>
+              <a:schemeClr val="accent1"/>
+            </a:solidFill>
+          </a:ln>
+        </p:spPr>
+        <p:style>
+          <a:lnRef idx="2">
+            <a:schemeClr val="accent1">
+              <a:shade val="50000"/>
+            </a:schemeClr>
+          </a:lnRef>
+          <a:fillRef idx="1">
+            <a:schemeClr val="accent1"/>
+          </a:fillRef>
+          <a:effectRef idx="0">
+            <a:schemeClr val="accent1"/>
+          </a:effectRef>
+          <a:fontRef idx="minor">
+            <a:schemeClr val="lt1"/>
+          </a:fontRef>
+        </p:style>
+        <p:txBody>
+          <a:bodyPr rtlCol="0" anchor="ctr"/>
+          <a:lstStyle/>
+          <a:p>
+            <a:pPr algn="r"/>
+            <a:endParaRPr lang="de-CH" sz="6000" dirty="0">
+              <a:solidFill>
+                <a:srgbClr val="FF0000"/>
+              </a:solidFill>
+            </a:endParaRPr>
+          </a:p>
+        </p:txBody>
+      </p:sp>
+    </p:spTree>
+    <p:extLst>
+      <p:ext uri="{BB962C8B-B14F-4D97-AF65-F5344CB8AC3E}">
+        <p14:creationId xmlns:p14="http://schemas.microsoft.com/office/powerpoint/2010/main" val="1014108445"/>
+      </p:ext>
+    </p:extLst>
+  </p:cSld>
+  <p:clrMapOvr>
+    <a:masterClrMapping/>
+  </p:clrMapOvr>
+  <p:timing>
+    <p:tnLst>
+      <p:par>
+        <p:cTn id="1" dur="indefinite" restart="never" nodeType="tmRoot"/>
+      </p:par>
+    </p:tnLst>
+  </p:timing>
+</p:sld>
+</file>
+
+<file path=ppt/slides/slide15.xml><?xml version="1.0" encoding="utf-8"?>
+<p:sld xmlns:a="http://schemas.openxmlformats.org/drawingml/2006/main" xmlns:r="http://schemas.openxmlformats.org/officeDocument/2006/relationships" xmlns:p="http://schemas.openxmlformats.org/presentationml/2006/main">
+  <p:cSld>
+    <p:spTree>
+      <p:nvGrpSpPr>
+        <p:cNvPr id="1" name=""/>
+        <p:cNvGrpSpPr/>
+        <p:nvPr/>
+      </p:nvGrpSpPr>
+      <p:grpSpPr>
+        <a:xfrm>
+          <a:off x="0" y="0"/>
+          <a:ext cx="0" cy="0"/>
+          <a:chOff x="0" y="0"/>
+          <a:chExt cx="0" cy="0"/>
+        </a:xfrm>
+      </p:grpSpPr>
+      <p:sp>
+        <p:nvSpPr>
+          <p:cNvPr id="2" name="Titel 1"/>
+          <p:cNvSpPr>
+            <a:spLocks noGrp="1"/>
+          </p:cNvSpPr>
+          <p:nvPr>
+            <p:ph type="title"/>
+          </p:nvPr>
+        </p:nvSpPr>
+        <p:spPr/>
+        <p:txBody>
+          <a:bodyPr/>
+          <a:lstStyle/>
+          <a:p>
+            <a:r>
+              <a:rPr lang="en-US" dirty="0" smtClean="0"/>
+              <a:t>Features</a:t>
+            </a:r>
+            <a:endParaRPr lang="de-CH" dirty="0"/>
+          </a:p>
+        </p:txBody>
+      </p:sp>
+      <p:sp>
+        <p:nvSpPr>
+          <p:cNvPr id="3" name="Inhaltsplatzhalter 2"/>
+          <p:cNvSpPr>
+            <a:spLocks noGrp="1"/>
+          </p:cNvSpPr>
+          <p:nvPr>
+            <p:ph sz="quarter" idx="1"/>
+          </p:nvPr>
+        </p:nvSpPr>
+        <p:spPr/>
+        <p:txBody>
+          <a:bodyPr/>
+          <a:lstStyle/>
+          <a:p>
+            <a:r>
+              <a:rPr lang="en-US" dirty="0" smtClean="0"/>
+              <a:t>User content – add offers</a:t>
+            </a:r>
+            <a:endParaRPr lang="de-CH" dirty="0"/>
+          </a:p>
+        </p:txBody>
+      </p:sp>
+      <p:pic>
+        <p:nvPicPr>
+          <p:cNvPr id="12290" name="Picture 2" descr="E:\codeshop\user-content.png"/>
+          <p:cNvPicPr>
+            <a:picLocks noChangeAspect="1" noChangeArrowheads="1"/>
+          </p:cNvPicPr>
+          <p:nvPr/>
+        </p:nvPicPr>
+        <p:blipFill>
+          <a:blip r:embed="rId2">
+            <a:extLst>
+              <a:ext uri="{28A0092B-C50C-407E-A947-70E740481C1C}">
+                <a14:useLocalDpi xmlns:a14="http://schemas.microsoft.com/office/drawing/2010/main" val="0"/>
+              </a:ext>
+            </a:extLst>
+          </a:blip>
+          <a:srcRect/>
+          <a:stretch>
+            <a:fillRect/>
+          </a:stretch>
+        </p:blipFill>
+        <p:spPr bwMode="auto">
+          <a:xfrm>
+            <a:off x="179512" y="1988840"/>
+            <a:ext cx="8535987" cy="4532313"/>
+          </a:xfrm>
+          <a:prstGeom prst="rect">
+            <a:avLst/>
+          </a:prstGeom>
+          <a:noFill/>
+          <a:extLst>
+            <a:ext uri="{909E8E84-426E-40DD-AFC4-6F175D3DCCD1}">
+              <a14:hiddenFill xmlns:a14="http://schemas.microsoft.com/office/drawing/2010/main">
+                <a:solidFill>
+                  <a:srgbClr val="FFFFFF"/>
+                </a:solidFill>
+              </a14:hiddenFill>
+            </a:ext>
+          </a:extLst>
+        </p:spPr>
+      </p:pic>
+    </p:spTree>
+    <p:extLst>
+      <p:ext uri="{BB962C8B-B14F-4D97-AF65-F5344CB8AC3E}">
+        <p14:creationId xmlns:p14="http://schemas.microsoft.com/office/powerpoint/2010/main" val="1291042802"/>
+      </p:ext>
+    </p:extLst>
+  </p:cSld>
+  <p:clrMapOvr>
+    <a:masterClrMapping/>
+  </p:clrMapOvr>
+  <p:timing>
+    <p:tnLst>
+      <p:par>
+        <p:cTn id="1" dur="indefinite" restart="never" nodeType="tmRoot"/>
+      </p:par>
+    </p:tnLst>
+  </p:timing>
+</p:sld>
+</file>
+
+<file path=ppt/slides/slide16.xml><?xml version="1.0" encoding="utf-8"?>
+<p:sld xmlns:a="http://schemas.openxmlformats.org/drawingml/2006/main" xmlns:r="http://schemas.openxmlformats.org/officeDocument/2006/relationships" xmlns:p="http://schemas.openxmlformats.org/presentationml/2006/main">
+  <p:cSld>
+    <p:spTree>
+      <p:nvGrpSpPr>
+        <p:cNvPr id="1" name=""/>
+        <p:cNvGrpSpPr/>
+        <p:nvPr/>
+      </p:nvGrpSpPr>
+      <p:grpSpPr>
+        <a:xfrm>
+          <a:off x="0" y="0"/>
+          <a:ext cx="0" cy="0"/>
+          <a:chOff x="0" y="0"/>
+          <a:chExt cx="0" cy="0"/>
+        </a:xfrm>
+      </p:grpSpPr>
+      <p:sp>
+        <p:nvSpPr>
+          <p:cNvPr id="2" name="Titel 1"/>
+          <p:cNvSpPr>
+            <a:spLocks noGrp="1"/>
+          </p:cNvSpPr>
+          <p:nvPr>
+            <p:ph type="title"/>
+          </p:nvPr>
+        </p:nvSpPr>
+        <p:spPr/>
+        <p:txBody>
+          <a:bodyPr/>
+          <a:lstStyle/>
+          <a:p>
+            <a:r>
               <a:rPr lang="en-US" dirty="0" smtClean="0"/>
               <a:t>Features</a:t>
             </a:r>
@@ -4447,7 +4851,7 @@
 </p:sld>
 </file>
 
-<file path=ppt/slides/slide15.xml><?xml version="1.0" encoding="utf-8"?>
+<file path=ppt/slides/slide17.xml><?xml version="1.0" encoding="utf-8"?>
 <p:sld xmlns:a="http://schemas.openxmlformats.org/drawingml/2006/main" xmlns:r="http://schemas.openxmlformats.org/officeDocument/2006/relationships" xmlns:p="http://schemas.openxmlformats.org/presentationml/2006/main">
   <p:cSld>
     <p:spTree>
@@ -4612,7 +5016,7 @@
 </p:sld>
 </file>
 
-<file path=ppt/slides/slide16.xml><?xml version="1.0" encoding="utf-8"?>
+<file path=ppt/slides/slide18.xml><?xml version="1.0" encoding="utf-8"?>
 <p:sld xmlns:a="http://schemas.openxmlformats.org/drawingml/2006/main" xmlns:r="http://schemas.openxmlformats.org/officeDocument/2006/relationships" xmlns:p="http://schemas.openxmlformats.org/presentationml/2006/main">
   <p:cSld>
     <p:spTree>
@@ -4720,358 +5124,6 @@
     <p:extLst>
       <p:ext uri="{BB962C8B-B14F-4D97-AF65-F5344CB8AC3E}">
         <p14:creationId xmlns:p14="http://schemas.microsoft.com/office/powerpoint/2010/main" val="186989503"/>
-      </p:ext>
-    </p:extLst>
-  </p:cSld>
-  <p:clrMapOvr>
-    <a:masterClrMapping/>
-  </p:clrMapOvr>
-  <p:timing>
-    <p:tnLst>
-      <p:par>
-        <p:cTn id="1" dur="indefinite" restart="never" nodeType="tmRoot"/>
-      </p:par>
-    </p:tnLst>
-  </p:timing>
-</p:sld>
-</file>
-
-<file path=ppt/slides/slide17.xml><?xml version="1.0" encoding="utf-8"?>
-<p:sld xmlns:a="http://schemas.openxmlformats.org/drawingml/2006/main" xmlns:r="http://schemas.openxmlformats.org/officeDocument/2006/relationships" xmlns:p="http://schemas.openxmlformats.org/presentationml/2006/main">
-  <p:cSld>
-    <p:spTree>
-      <p:nvGrpSpPr>
-        <p:cNvPr id="1" name=""/>
-        <p:cNvGrpSpPr/>
-        <p:nvPr/>
-      </p:nvGrpSpPr>
-      <p:grpSpPr>
-        <a:xfrm>
-          <a:off x="0" y="0"/>
-          <a:ext cx="0" cy="0"/>
-          <a:chOff x="0" y="0"/>
-          <a:chExt cx="0" cy="0"/>
-        </a:xfrm>
-      </p:grpSpPr>
-      <p:sp>
-        <p:nvSpPr>
-          <p:cNvPr id="2" name="Titel 1"/>
-          <p:cNvSpPr>
-            <a:spLocks noGrp="1"/>
-          </p:cNvSpPr>
-          <p:nvPr>
-            <p:ph type="title"/>
-          </p:nvPr>
-        </p:nvSpPr>
-        <p:spPr/>
-        <p:txBody>
-          <a:bodyPr/>
-          <a:lstStyle/>
-          <a:p>
-            <a:r>
-              <a:rPr lang="en-US" dirty="0" smtClean="0"/>
-              <a:t>Features</a:t>
-            </a:r>
-            <a:endParaRPr lang="de-CH" dirty="0"/>
-          </a:p>
-        </p:txBody>
-      </p:sp>
-      <p:sp>
-        <p:nvSpPr>
-          <p:cNvPr id="3" name="Inhaltsplatzhalter 2"/>
-          <p:cNvSpPr>
-            <a:spLocks noGrp="1"/>
-          </p:cNvSpPr>
-          <p:nvPr>
-            <p:ph sz="quarter" idx="1"/>
-          </p:nvPr>
-        </p:nvSpPr>
-        <p:spPr/>
-        <p:txBody>
-          <a:bodyPr/>
-          <a:lstStyle/>
-          <a:p>
-            <a:r>
-              <a:rPr lang="en-US" dirty="0" smtClean="0"/>
-              <a:t>Security - minimal code exposure</a:t>
-            </a:r>
-            <a:endParaRPr lang="de-CH" dirty="0"/>
-          </a:p>
-        </p:txBody>
-      </p:sp>
-      <p:pic>
-        <p:nvPicPr>
-          <p:cNvPr id="14338" name="Picture 2" descr="E:\codeshop\exposure.png"/>
-          <p:cNvPicPr>
-            <a:picLocks noChangeAspect="1" noChangeArrowheads="1"/>
-          </p:cNvPicPr>
-          <p:nvPr/>
-        </p:nvPicPr>
-        <p:blipFill>
-          <a:blip r:embed="rId2">
-            <a:extLst>
-              <a:ext uri="{28A0092B-C50C-407E-A947-70E740481C1C}">
-                <a14:useLocalDpi xmlns:a14="http://schemas.microsoft.com/office/drawing/2010/main" val="0"/>
-              </a:ext>
-            </a:extLst>
-          </a:blip>
-          <a:srcRect/>
-          <a:stretch>
-            <a:fillRect/>
-          </a:stretch>
-        </p:blipFill>
-        <p:spPr bwMode="auto">
-          <a:xfrm>
-            <a:off x="2843808" y="1988839"/>
-            <a:ext cx="3024336" cy="4741283"/>
-          </a:xfrm>
-          <a:prstGeom prst="rect">
-            <a:avLst/>
-          </a:prstGeom>
-          <a:noFill/>
-          <a:extLst>
-            <a:ext uri="{909E8E84-426E-40DD-AFC4-6F175D3DCCD1}">
-              <a14:hiddenFill xmlns:a14="http://schemas.microsoft.com/office/drawing/2010/main">
-                <a:solidFill>
-                  <a:srgbClr val="FFFFFF"/>
-                </a:solidFill>
-              </a14:hiddenFill>
-            </a:ext>
-          </a:extLst>
-        </p:spPr>
-      </p:pic>
-      <p:sp>
-        <p:nvSpPr>
-          <p:cNvPr id="5" name="Rechteck 4"/>
-          <p:cNvSpPr/>
-          <p:nvPr/>
-        </p:nvSpPr>
-        <p:spPr>
-          <a:xfrm>
-            <a:off x="2843808" y="2415264"/>
-            <a:ext cx="936104" cy="149640"/>
-          </a:xfrm>
-          <a:prstGeom prst="rect">
-            <a:avLst/>
-          </a:prstGeom>
-          <a:noFill/>
-          <a:ln w="38100">
-            <a:solidFill>
-              <a:schemeClr val="accent1"/>
-            </a:solidFill>
-          </a:ln>
-        </p:spPr>
-        <p:style>
-          <a:lnRef idx="2">
-            <a:schemeClr val="accent1">
-              <a:shade val="50000"/>
-            </a:schemeClr>
-          </a:lnRef>
-          <a:fillRef idx="1">
-            <a:schemeClr val="accent1"/>
-          </a:fillRef>
-          <a:effectRef idx="0">
-            <a:schemeClr val="accent1"/>
-          </a:effectRef>
-          <a:fontRef idx="minor">
-            <a:schemeClr val="lt1"/>
-          </a:fontRef>
-        </p:style>
-        <p:txBody>
-          <a:bodyPr rtlCol="0" anchor="ctr"/>
-          <a:lstStyle/>
-          <a:p>
-            <a:pPr algn="r"/>
-            <a:endParaRPr lang="de-CH" sz="6000" dirty="0">
-              <a:solidFill>
-                <a:srgbClr val="FF0000"/>
-              </a:solidFill>
-            </a:endParaRPr>
-          </a:p>
-        </p:txBody>
-      </p:sp>
-    </p:spTree>
-    <p:extLst>
-      <p:ext uri="{BB962C8B-B14F-4D97-AF65-F5344CB8AC3E}">
-        <p14:creationId xmlns:p14="http://schemas.microsoft.com/office/powerpoint/2010/main" val="2329638361"/>
-      </p:ext>
-    </p:extLst>
-  </p:cSld>
-  <p:clrMapOvr>
-    <a:masterClrMapping/>
-  </p:clrMapOvr>
-  <p:timing>
-    <p:tnLst>
-      <p:par>
-        <p:cTn id="1" dur="indefinite" restart="never" nodeType="tmRoot"/>
-      </p:par>
-    </p:tnLst>
-  </p:timing>
-</p:sld>
-</file>
-
-<file path=ppt/slides/slide18.xml><?xml version="1.0" encoding="utf-8"?>
-<p:sld xmlns:a="http://schemas.openxmlformats.org/drawingml/2006/main" xmlns:r="http://schemas.openxmlformats.org/officeDocument/2006/relationships" xmlns:p="http://schemas.openxmlformats.org/presentationml/2006/main">
-  <p:cSld>
-    <p:spTree>
-      <p:nvGrpSpPr>
-        <p:cNvPr id="1" name=""/>
-        <p:cNvGrpSpPr/>
-        <p:nvPr/>
-      </p:nvGrpSpPr>
-      <p:grpSpPr>
-        <a:xfrm>
-          <a:off x="0" y="0"/>
-          <a:ext cx="0" cy="0"/>
-          <a:chOff x="0" y="0"/>
-          <a:chExt cx="0" cy="0"/>
-        </a:xfrm>
-      </p:grpSpPr>
-      <p:sp>
-        <p:nvSpPr>
-          <p:cNvPr id="2" name="Titel 1"/>
-          <p:cNvSpPr>
-            <a:spLocks noGrp="1"/>
-          </p:cNvSpPr>
-          <p:nvPr>
-            <p:ph type="title"/>
-          </p:nvPr>
-        </p:nvSpPr>
-        <p:spPr/>
-        <p:txBody>
-          <a:bodyPr/>
-          <a:lstStyle/>
-          <a:p>
-            <a:r>
-              <a:rPr lang="en-US" dirty="0" smtClean="0"/>
-              <a:t>Features</a:t>
-            </a:r>
-            <a:endParaRPr lang="de-CH" dirty="0"/>
-          </a:p>
-        </p:txBody>
-      </p:sp>
-      <p:sp>
-        <p:nvSpPr>
-          <p:cNvPr id="3" name="Inhaltsplatzhalter 2"/>
-          <p:cNvSpPr>
-            <a:spLocks noGrp="1"/>
-          </p:cNvSpPr>
-          <p:nvPr>
-            <p:ph sz="quarter" idx="1"/>
-          </p:nvPr>
-        </p:nvSpPr>
-        <p:spPr/>
-        <p:txBody>
-          <a:bodyPr/>
-          <a:lstStyle/>
-          <a:p>
-            <a:r>
-              <a:rPr lang="en-US" dirty="0" smtClean="0"/>
-              <a:t>Security - typed </a:t>
-            </a:r>
-            <a:r>
-              <a:rPr lang="en-US" dirty="0" err="1" smtClean="0"/>
-              <a:t>superglobals</a:t>
-            </a:r>
-            <a:endParaRPr lang="de-CH" dirty="0"/>
-          </a:p>
-        </p:txBody>
-      </p:sp>
-      <p:pic>
-        <p:nvPicPr>
-          <p:cNvPr id="11266" name="Picture 2" descr="E:\codeshop\typed.png"/>
-          <p:cNvPicPr>
-            <a:picLocks noChangeAspect="1" noChangeArrowheads="1"/>
-          </p:cNvPicPr>
-          <p:nvPr/>
-        </p:nvPicPr>
-        <p:blipFill>
-          <a:blip r:embed="rId2">
-            <a:extLst>
-              <a:ext uri="{28A0092B-C50C-407E-A947-70E740481C1C}">
-                <a14:useLocalDpi xmlns:a14="http://schemas.microsoft.com/office/drawing/2010/main" val="0"/>
-              </a:ext>
-            </a:extLst>
-          </a:blip>
-          <a:srcRect/>
-          <a:stretch>
-            <a:fillRect/>
-          </a:stretch>
-        </p:blipFill>
-        <p:spPr bwMode="auto">
-          <a:xfrm>
-            <a:off x="251520" y="2204864"/>
-            <a:ext cx="8677978" cy="3953123"/>
-          </a:xfrm>
-          <a:prstGeom prst="rect">
-            <a:avLst/>
-          </a:prstGeom>
-          <a:noFill/>
-          <a:extLst>
-            <a:ext uri="{909E8E84-426E-40DD-AFC4-6F175D3DCCD1}">
-              <a14:hiddenFill xmlns:a14="http://schemas.microsoft.com/office/drawing/2010/main">
-                <a:solidFill>
-                  <a:srgbClr val="FFFFFF"/>
-                </a:solidFill>
-              </a14:hiddenFill>
-            </a:ext>
-          </a:extLst>
-        </p:spPr>
-      </p:pic>
-      <p:sp>
-        <p:nvSpPr>
-          <p:cNvPr id="5" name="Rechteck 4"/>
-          <p:cNvSpPr/>
-          <p:nvPr/>
-        </p:nvSpPr>
-        <p:spPr>
-          <a:xfrm>
-            <a:off x="611560" y="3356992"/>
-            <a:ext cx="8280920" cy="1944216"/>
-          </a:xfrm>
-          <a:prstGeom prst="rect">
-            <a:avLst/>
-          </a:prstGeom>
-          <a:noFill/>
-          <a:ln w="38100">
-            <a:solidFill>
-              <a:schemeClr val="accent1"/>
-            </a:solidFill>
-          </a:ln>
-        </p:spPr>
-        <p:style>
-          <a:lnRef idx="2">
-            <a:schemeClr val="accent1">
-              <a:shade val="50000"/>
-            </a:schemeClr>
-          </a:lnRef>
-          <a:fillRef idx="1">
-            <a:schemeClr val="accent1"/>
-          </a:fillRef>
-          <a:effectRef idx="0">
-            <a:schemeClr val="accent1"/>
-          </a:effectRef>
-          <a:fontRef idx="minor">
-            <a:schemeClr val="lt1"/>
-          </a:fontRef>
-        </p:style>
-        <p:txBody>
-          <a:bodyPr rtlCol="0" anchor="ctr"/>
-          <a:lstStyle/>
-          <a:p>
-            <a:pPr algn="r"/>
-            <a:endParaRPr lang="de-CH" sz="6000" dirty="0">
-              <a:solidFill>
-                <a:srgbClr val="FF0000"/>
-              </a:solidFill>
-            </a:endParaRPr>
-          </a:p>
-        </p:txBody>
-      </p:sp>
-    </p:spTree>
-    <p:extLst>
-      <p:ext uri="{BB962C8B-B14F-4D97-AF65-F5344CB8AC3E}">
-        <p14:creationId xmlns:p14="http://schemas.microsoft.com/office/powerpoint/2010/main" val="3052157552"/>
       </p:ext>
     </p:extLst>
   </p:cSld>
@@ -5122,7 +5174,7 @@
           <a:p>
             <a:r>
               <a:rPr lang="en-US" dirty="0" smtClean="0"/>
-              <a:t>Team distribution</a:t>
+              <a:t>Features</a:t>
             </a:r>
             <a:endParaRPr lang="de-CH" dirty="0"/>
           </a:p>
@@ -5145,7 +5197,7 @@
           <a:p>
             <a:r>
               <a:rPr lang="en-US" dirty="0" smtClean="0"/>
-              <a:t>Overall</a:t>
+              <a:t>Security - minimal code exposure</a:t>
             </a:r>
             <a:endParaRPr lang="de-CH" dirty="0"/>
           </a:p>
@@ -5153,7 +5205,7 @@
       </p:sp>
       <p:pic>
         <p:nvPicPr>
-          <p:cNvPr id="17411" name="Picture 3" descr="E:\codeshop\team-overview.png"/>
+          <p:cNvPr id="14338" name="Picture 2" descr="E:\codeshop\exposure.png"/>
           <p:cNvPicPr>
             <a:picLocks noChangeAspect="1" noChangeArrowheads="1"/>
           </p:cNvPicPr>
@@ -5174,8 +5226,8 @@
         </p:blipFill>
         <p:spPr bwMode="auto">
           <a:xfrm>
-            <a:off x="233947" y="2564904"/>
-            <a:ext cx="8770702" cy="2435906"/>
+            <a:off x="2843808" y="1988839"/>
+            <a:ext cx="3024336" cy="4741283"/>
           </a:xfrm>
           <a:prstGeom prst="rect">
             <a:avLst/>
@@ -5192,10 +5244,60 @@
           </a:extLst>
         </p:spPr>
       </p:pic>
+      <p:sp>
+        <p:nvSpPr>
+          <p:cNvPr id="5" name="Rechteck 4"/>
+          <p:cNvSpPr/>
+          <p:nvPr/>
+        </p:nvSpPr>
+        <p:spPr>
+          <a:xfrm>
+            <a:off x="2843808" y="2415264"/>
+            <a:ext cx="936104" cy="149640"/>
+          </a:xfrm>
+          <a:prstGeom prst="rect">
+            <a:avLst/>
+          </a:prstGeom>
+          <a:noFill/>
+          <a:ln w="38100">
+            <a:solidFill>
+              <a:schemeClr val="accent1"/>
+            </a:solidFill>
+          </a:ln>
+        </p:spPr>
+        <p:style>
+          <a:lnRef idx="2">
+            <a:schemeClr val="accent1">
+              <a:shade val="50000"/>
+            </a:schemeClr>
+          </a:lnRef>
+          <a:fillRef idx="1">
+            <a:schemeClr val="accent1"/>
+          </a:fillRef>
+          <a:effectRef idx="0">
+            <a:schemeClr val="accent1"/>
+          </a:effectRef>
+          <a:fontRef idx="minor">
+            <a:schemeClr val="lt1"/>
+          </a:fontRef>
+        </p:style>
+        <p:txBody>
+          <a:bodyPr rtlCol="0" anchor="ctr"/>
+          <a:lstStyle/>
+          <a:p>
+            <a:pPr algn="r"/>
+            <a:endParaRPr lang="de-CH" sz="6000" dirty="0">
+              <a:solidFill>
+                <a:srgbClr val="FF0000"/>
+              </a:solidFill>
+            </a:endParaRPr>
+          </a:p>
+        </p:txBody>
+      </p:sp>
     </p:spTree>
     <p:extLst>
       <p:ext uri="{BB962C8B-B14F-4D97-AF65-F5344CB8AC3E}">
-        <p14:creationId xmlns:p14="http://schemas.microsoft.com/office/powerpoint/2010/main" val="3352371300"/>
+        <p14:creationId xmlns:p14="http://schemas.microsoft.com/office/powerpoint/2010/main" val="2329638361"/>
       </p:ext>
     </p:extLst>
   </p:cSld>
@@ -5268,12 +5370,18 @@
           <a:lstStyle/>
           <a:p>
             <a:r>
-              <a:rPr lang="de-CH" dirty="0" smtClean="0"/>
+              <a:rPr lang="de-CH" smtClean="0"/>
               <a:t>Technologies </a:t>
             </a:r>
             <a:r>
-              <a:rPr lang="de-CH" dirty="0" err="1" smtClean="0"/>
+              <a:rPr lang="de-CH" smtClean="0"/>
               <a:t>used</a:t>
+            </a:r>
+          </a:p>
+          <a:p>
+            <a:r>
+              <a:rPr lang="en-US" smtClean="0"/>
+              <a:t>Database</a:t>
             </a:r>
             <a:endParaRPr lang="de-CH" dirty="0" smtClean="0"/>
           </a:p>
@@ -5383,7 +5491,7 @@
           <a:p>
             <a:r>
               <a:rPr lang="en-US" dirty="0" smtClean="0"/>
-              <a:t>Team distribution</a:t>
+              <a:t>Features</a:t>
             </a:r>
             <a:endParaRPr lang="de-CH" dirty="0"/>
           </a:p>
@@ -5406,7 +5514,11 @@
           <a:p>
             <a:r>
               <a:rPr lang="en-US" dirty="0" smtClean="0"/>
-              <a:t>Punch card</a:t>
+              <a:t>Security - typed </a:t>
+            </a:r>
+            <a:r>
+              <a:rPr lang="en-US" dirty="0" err="1" smtClean="0"/>
+              <a:t>superglobals</a:t>
             </a:r>
             <a:endParaRPr lang="de-CH" dirty="0"/>
           </a:p>
@@ -5414,7 +5526,7 @@
       </p:sp>
       <p:pic>
         <p:nvPicPr>
-          <p:cNvPr id="4" name="Picture 2" descr="E:\codeshop\team-pc.png"/>
+          <p:cNvPr id="11266" name="Picture 2" descr="E:\codeshop\typed.png"/>
           <p:cNvPicPr>
             <a:picLocks noChangeAspect="1" noChangeArrowheads="1"/>
           </p:cNvPicPr>
@@ -5435,8 +5547,8 @@
         </p:blipFill>
         <p:spPr bwMode="auto">
           <a:xfrm>
-            <a:off x="-1527472" y="9591672"/>
-            <a:ext cx="6675536" cy="3633170"/>
+            <a:off x="251520" y="2204864"/>
+            <a:ext cx="8677978" cy="3953123"/>
           </a:xfrm>
           <a:prstGeom prst="rect">
             <a:avLst/>
@@ -5453,51 +5565,60 @@
           </a:extLst>
         </p:spPr>
       </p:pic>
-      <p:pic>
-        <p:nvPicPr>
-          <p:cNvPr id="5" name="Picture 2" descr="E:\codeshop\team-pc.png"/>
-          <p:cNvPicPr>
-            <a:picLocks noChangeAspect="1" noChangeArrowheads="1"/>
-          </p:cNvPicPr>
+      <p:sp>
+        <p:nvSpPr>
+          <p:cNvPr id="5" name="Rechteck 4"/>
+          <p:cNvSpPr/>
           <p:nvPr/>
-        </p:nvPicPr>
-        <p:blipFill>
-          <a:blip r:embed="rId2">
-            <a:extLst>
-              <a:ext uri="{28A0092B-C50C-407E-A947-70E740481C1C}">
-                <a14:useLocalDpi xmlns:a14="http://schemas.microsoft.com/office/drawing/2010/main" val="0"/>
-              </a:ext>
-            </a:extLst>
-          </a:blip>
-          <a:srcRect/>
-          <a:stretch>
-            <a:fillRect/>
-          </a:stretch>
-        </p:blipFill>
-        <p:spPr bwMode="auto">
-          <a:xfrm>
-            <a:off x="251520" y="1926897"/>
-            <a:ext cx="8706510" cy="4738531"/>
+        </p:nvSpPr>
+        <p:spPr>
+          <a:xfrm>
+            <a:off x="611560" y="3356992"/>
+            <a:ext cx="8280920" cy="1944216"/>
           </a:xfrm>
           <a:prstGeom prst="rect">
             <a:avLst/>
           </a:prstGeom>
           <a:noFill/>
-          <a:extLst>
-            <a:ext uri="{909E8E84-426E-40DD-AFC4-6F175D3DCCD1}">
-              <a14:hiddenFill xmlns:a14="http://schemas.microsoft.com/office/drawing/2010/main">
-                <a:solidFill>
-                  <a:srgbClr val="FFFFFF"/>
-                </a:solidFill>
-              </a14:hiddenFill>
-            </a:ext>
-          </a:extLst>
-        </p:spPr>
-      </p:pic>
+          <a:ln w="38100">
+            <a:solidFill>
+              <a:schemeClr val="accent1"/>
+            </a:solidFill>
+          </a:ln>
+        </p:spPr>
+        <p:style>
+          <a:lnRef idx="2">
+            <a:schemeClr val="accent1">
+              <a:shade val="50000"/>
+            </a:schemeClr>
+          </a:lnRef>
+          <a:fillRef idx="1">
+            <a:schemeClr val="accent1"/>
+          </a:fillRef>
+          <a:effectRef idx="0">
+            <a:schemeClr val="accent1"/>
+          </a:effectRef>
+          <a:fontRef idx="minor">
+            <a:schemeClr val="lt1"/>
+          </a:fontRef>
+        </p:style>
+        <p:txBody>
+          <a:bodyPr rtlCol="0" anchor="ctr"/>
+          <a:lstStyle/>
+          <a:p>
+            <a:pPr algn="r"/>
+            <a:endParaRPr lang="de-CH" sz="6000" dirty="0">
+              <a:solidFill>
+                <a:srgbClr val="FF0000"/>
+              </a:solidFill>
+            </a:endParaRPr>
+          </a:p>
+        </p:txBody>
+      </p:sp>
     </p:spTree>
     <p:extLst>
       <p:ext uri="{BB962C8B-B14F-4D97-AF65-F5344CB8AC3E}">
-        <p14:creationId xmlns:p14="http://schemas.microsoft.com/office/powerpoint/2010/main" val="3130634277"/>
+        <p14:creationId xmlns:p14="http://schemas.microsoft.com/office/powerpoint/2010/main" val="3052157552"/>
       </p:ext>
     </p:extLst>
   </p:cSld>
@@ -5571,54 +5692,15 @@
           <a:p>
             <a:r>
               <a:rPr lang="en-US" dirty="0" smtClean="0"/>
-              <a:t>Mathias</a:t>
-            </a:r>
-          </a:p>
-          <a:p>
-            <a:pPr lvl="1"/>
-            <a:r>
-              <a:rPr lang="en-US" dirty="0" smtClean="0"/>
-              <a:t>MVC</a:t>
-            </a:r>
-          </a:p>
-          <a:p>
-            <a:pPr lvl="1"/>
-            <a:r>
-              <a:rPr lang="en-US" dirty="0" smtClean="0"/>
-              <a:t>Layout</a:t>
-            </a:r>
-          </a:p>
-          <a:p>
-            <a:pPr lvl="1"/>
-            <a:r>
-              <a:rPr lang="en-US" dirty="0" smtClean="0"/>
-              <a:t>File upload</a:t>
-            </a:r>
-          </a:p>
-          <a:p>
-            <a:pPr lvl="1"/>
-            <a:r>
-              <a:rPr lang="en-US" dirty="0"/>
-              <a:t>i</a:t>
-            </a:r>
-            <a:r>
-              <a:rPr lang="en-US" dirty="0" smtClean="0"/>
-              <a:t>18n</a:t>
-            </a:r>
-          </a:p>
-          <a:p>
-            <a:pPr lvl="1"/>
-            <a:endParaRPr lang="en-US" dirty="0" smtClean="0"/>
-          </a:p>
-          <a:p>
-            <a:pPr lvl="1"/>
+              <a:t>Overall</a:t>
+            </a:r>
             <a:endParaRPr lang="de-CH" dirty="0"/>
           </a:p>
         </p:txBody>
       </p:sp>
       <p:pic>
         <p:nvPicPr>
-          <p:cNvPr id="4" name="Picture 2" descr="E:\codeshop\team-pc.png"/>
+          <p:cNvPr id="17411" name="Picture 3" descr="E:\codeshop\team-overview.png"/>
           <p:cNvPicPr>
             <a:picLocks noChangeAspect="1" noChangeArrowheads="1"/>
           </p:cNvPicPr>
@@ -5639,8 +5721,8 @@
         </p:blipFill>
         <p:spPr bwMode="auto">
           <a:xfrm>
-            <a:off x="-1527472" y="9591672"/>
-            <a:ext cx="6675536" cy="3633170"/>
+            <a:off x="233947" y="2564904"/>
+            <a:ext cx="8770702" cy="2435906"/>
           </a:xfrm>
           <a:prstGeom prst="rect">
             <a:avLst/>
@@ -5657,6 +5739,252 @@
           </a:extLst>
         </p:spPr>
       </p:pic>
+    </p:spTree>
+    <p:extLst>
+      <p:ext uri="{BB962C8B-B14F-4D97-AF65-F5344CB8AC3E}">
+        <p14:creationId xmlns:p14="http://schemas.microsoft.com/office/powerpoint/2010/main" val="3352371300"/>
+      </p:ext>
+    </p:extLst>
+  </p:cSld>
+  <p:clrMapOvr>
+    <a:masterClrMapping/>
+  </p:clrMapOvr>
+  <p:timing>
+    <p:tnLst>
+      <p:par>
+        <p:cTn id="1" dur="indefinite" restart="never" nodeType="tmRoot"/>
+      </p:par>
+    </p:tnLst>
+  </p:timing>
+</p:sld>
+</file>
+
+<file path=ppt/slides/slide22.xml><?xml version="1.0" encoding="utf-8"?>
+<p:sld xmlns:a="http://schemas.openxmlformats.org/drawingml/2006/main" xmlns:r="http://schemas.openxmlformats.org/officeDocument/2006/relationships" xmlns:p="http://schemas.openxmlformats.org/presentationml/2006/main">
+  <p:cSld>
+    <p:spTree>
+      <p:nvGrpSpPr>
+        <p:cNvPr id="1" name=""/>
+        <p:cNvGrpSpPr/>
+        <p:nvPr/>
+      </p:nvGrpSpPr>
+      <p:grpSpPr>
+        <a:xfrm>
+          <a:off x="0" y="0"/>
+          <a:ext cx="0" cy="0"/>
+          <a:chOff x="0" y="0"/>
+          <a:chExt cx="0" cy="0"/>
+        </a:xfrm>
+      </p:grpSpPr>
+      <p:sp>
+        <p:nvSpPr>
+          <p:cNvPr id="2" name="Titel 1"/>
+          <p:cNvSpPr>
+            <a:spLocks noGrp="1"/>
+          </p:cNvSpPr>
+          <p:nvPr>
+            <p:ph type="title"/>
+          </p:nvPr>
+        </p:nvSpPr>
+        <p:spPr/>
+        <p:txBody>
+          <a:bodyPr/>
+          <a:lstStyle/>
+          <a:p>
+            <a:r>
+              <a:rPr lang="en-US" dirty="0" smtClean="0"/>
+              <a:t>Team distribution</a:t>
+            </a:r>
+            <a:endParaRPr lang="de-CH" dirty="0"/>
+          </a:p>
+        </p:txBody>
+      </p:sp>
+      <p:sp>
+        <p:nvSpPr>
+          <p:cNvPr id="3" name="Inhaltsplatzhalter 2"/>
+          <p:cNvSpPr>
+            <a:spLocks noGrp="1"/>
+          </p:cNvSpPr>
+          <p:nvPr>
+            <p:ph sz="quarter" idx="1"/>
+          </p:nvPr>
+        </p:nvSpPr>
+        <p:spPr/>
+        <p:txBody>
+          <a:bodyPr/>
+          <a:lstStyle/>
+          <a:p>
+            <a:r>
+              <a:rPr lang="en-US" dirty="0" smtClean="0"/>
+              <a:t>Punch card</a:t>
+            </a:r>
+            <a:endParaRPr lang="de-CH" dirty="0"/>
+          </a:p>
+        </p:txBody>
+      </p:sp>
+      <p:pic>
+        <p:nvPicPr>
+          <p:cNvPr id="5" name="Picture 2" descr="E:\codeshop\team-pc.png"/>
+          <p:cNvPicPr>
+            <a:picLocks noChangeAspect="1" noChangeArrowheads="1"/>
+          </p:cNvPicPr>
+          <p:nvPr/>
+        </p:nvPicPr>
+        <p:blipFill>
+          <a:blip r:embed="rId2">
+            <a:extLst>
+              <a:ext uri="{28A0092B-C50C-407E-A947-70E740481C1C}">
+                <a14:useLocalDpi xmlns:a14="http://schemas.microsoft.com/office/drawing/2010/main" val="0"/>
+              </a:ext>
+            </a:extLst>
+          </a:blip>
+          <a:srcRect/>
+          <a:stretch>
+            <a:fillRect/>
+          </a:stretch>
+        </p:blipFill>
+        <p:spPr bwMode="auto">
+          <a:xfrm>
+            <a:off x="251520" y="1926897"/>
+            <a:ext cx="8706510" cy="4738531"/>
+          </a:xfrm>
+          <a:prstGeom prst="rect">
+            <a:avLst/>
+          </a:prstGeom>
+          <a:noFill/>
+          <a:extLst>
+            <a:ext uri="{909E8E84-426E-40DD-AFC4-6F175D3DCCD1}">
+              <a14:hiddenFill xmlns:a14="http://schemas.microsoft.com/office/drawing/2010/main">
+                <a:solidFill>
+                  <a:srgbClr val="FFFFFF"/>
+                </a:solidFill>
+              </a14:hiddenFill>
+            </a:ext>
+          </a:extLst>
+        </p:spPr>
+      </p:pic>
+    </p:spTree>
+    <p:extLst>
+      <p:ext uri="{BB962C8B-B14F-4D97-AF65-F5344CB8AC3E}">
+        <p14:creationId xmlns:p14="http://schemas.microsoft.com/office/powerpoint/2010/main" val="3130634277"/>
+      </p:ext>
+    </p:extLst>
+  </p:cSld>
+  <p:clrMapOvr>
+    <a:masterClrMapping/>
+  </p:clrMapOvr>
+  <p:timing>
+    <p:tnLst>
+      <p:par>
+        <p:cTn id="1" dur="indefinite" restart="never" nodeType="tmRoot"/>
+      </p:par>
+    </p:tnLst>
+  </p:timing>
+</p:sld>
+</file>
+
+<file path=ppt/slides/slide23.xml><?xml version="1.0" encoding="utf-8"?>
+<p:sld xmlns:a="http://schemas.openxmlformats.org/drawingml/2006/main" xmlns:r="http://schemas.openxmlformats.org/officeDocument/2006/relationships" xmlns:p="http://schemas.openxmlformats.org/presentationml/2006/main">
+  <p:cSld>
+    <p:spTree>
+      <p:nvGrpSpPr>
+        <p:cNvPr id="1" name=""/>
+        <p:cNvGrpSpPr/>
+        <p:nvPr/>
+      </p:nvGrpSpPr>
+      <p:grpSpPr>
+        <a:xfrm>
+          <a:off x="0" y="0"/>
+          <a:ext cx="0" cy="0"/>
+          <a:chOff x="0" y="0"/>
+          <a:chExt cx="0" cy="0"/>
+        </a:xfrm>
+      </p:grpSpPr>
+      <p:sp>
+        <p:nvSpPr>
+          <p:cNvPr id="2" name="Titel 1"/>
+          <p:cNvSpPr>
+            <a:spLocks noGrp="1"/>
+          </p:cNvSpPr>
+          <p:nvPr>
+            <p:ph type="title"/>
+          </p:nvPr>
+        </p:nvSpPr>
+        <p:spPr/>
+        <p:txBody>
+          <a:bodyPr/>
+          <a:lstStyle/>
+          <a:p>
+            <a:r>
+              <a:rPr lang="en-US" dirty="0" smtClean="0"/>
+              <a:t>Team distribution</a:t>
+            </a:r>
+            <a:endParaRPr lang="de-CH" dirty="0"/>
+          </a:p>
+        </p:txBody>
+      </p:sp>
+      <p:sp>
+        <p:nvSpPr>
+          <p:cNvPr id="3" name="Inhaltsplatzhalter 2"/>
+          <p:cNvSpPr>
+            <a:spLocks noGrp="1"/>
+          </p:cNvSpPr>
+          <p:nvPr>
+            <p:ph sz="quarter" idx="1"/>
+          </p:nvPr>
+        </p:nvSpPr>
+        <p:spPr/>
+        <p:txBody>
+          <a:bodyPr/>
+          <a:lstStyle/>
+          <a:p>
+            <a:r>
+              <a:rPr lang="en-US" dirty="0" smtClean="0"/>
+              <a:t>Mathias</a:t>
+            </a:r>
+          </a:p>
+          <a:p>
+            <a:pPr lvl="1"/>
+            <a:r>
+              <a:rPr lang="en-US" dirty="0" smtClean="0"/>
+              <a:t>MVC</a:t>
+            </a:r>
+          </a:p>
+          <a:p>
+            <a:pPr lvl="1"/>
+            <a:r>
+              <a:rPr lang="en-US" dirty="0" smtClean="0"/>
+              <a:t>Layout</a:t>
+            </a:r>
+          </a:p>
+          <a:p>
+            <a:pPr lvl="1"/>
+            <a:r>
+              <a:rPr lang="en-US" dirty="0" smtClean="0"/>
+              <a:t>File upload</a:t>
+            </a:r>
+          </a:p>
+          <a:p>
+            <a:pPr lvl="1"/>
+            <a:r>
+              <a:rPr lang="en-US" dirty="0"/>
+              <a:t>i</a:t>
+            </a:r>
+            <a:r>
+              <a:rPr lang="en-US" dirty="0" smtClean="0"/>
+              <a:t>18n</a:t>
+            </a:r>
+          </a:p>
+          <a:p>
+            <a:pPr lvl="1"/>
+            <a:endParaRPr lang="en-US" dirty="0" smtClean="0"/>
+          </a:p>
+          <a:p>
+            <a:pPr lvl="1"/>
+            <a:endParaRPr lang="de-CH" dirty="0"/>
+          </a:p>
+        </p:txBody>
+      </p:sp>
       <p:pic>
         <p:nvPicPr>
           <p:cNvPr id="18435" name="Picture 3" descr="E:\codeshop\team-mathias.png"/>
@@ -5666,7 +5994,7 @@
           <p:nvPr/>
         </p:nvPicPr>
         <p:blipFill>
-          <a:blip r:embed="rId3">
+          <a:blip r:embed="rId2">
             <a:extLst>
               <a:ext uri="{28A0092B-C50C-407E-A947-70E740481C1C}">
                 <a14:useLocalDpi xmlns:a14="http://schemas.microsoft.com/office/drawing/2010/main" val="0"/>
@@ -5718,7 +6046,7 @@
 </p:sld>
 </file>
 
-<file path=ppt/slides/slide22.xml><?xml version="1.0" encoding="utf-8"?>
+<file path=ppt/slides/slide24.xml><?xml version="1.0" encoding="utf-8"?>
 <p:sld xmlns:a="http://schemas.openxmlformats.org/drawingml/2006/main" xmlns:r="http://schemas.openxmlformats.org/officeDocument/2006/relationships" xmlns:p="http://schemas.openxmlformats.org/presentationml/2006/main">
   <p:cSld>
     <p:spTree>
@@ -5864,47 +6192,6 @@
           </a:p>
         </p:txBody>
       </p:sp>
-      <p:pic>
-        <p:nvPicPr>
-          <p:cNvPr id="4" name="Picture 2" descr="E:\codeshop\team-pc.png"/>
-          <p:cNvPicPr>
-            <a:picLocks noChangeAspect="1" noChangeArrowheads="1"/>
-          </p:cNvPicPr>
-          <p:nvPr/>
-        </p:nvPicPr>
-        <p:blipFill>
-          <a:blip r:embed="rId3">
-            <a:extLst>
-              <a:ext uri="{28A0092B-C50C-407E-A947-70E740481C1C}">
-                <a14:useLocalDpi xmlns:a14="http://schemas.microsoft.com/office/drawing/2010/main" val="0"/>
-              </a:ext>
-            </a:extLst>
-          </a:blip>
-          <a:srcRect/>
-          <a:stretch>
-            <a:fillRect/>
-          </a:stretch>
-        </p:blipFill>
-        <p:spPr bwMode="auto">
-          <a:xfrm>
-            <a:off x="-1527472" y="9591672"/>
-            <a:ext cx="6675536" cy="3633170"/>
-          </a:xfrm>
-          <a:prstGeom prst="rect">
-            <a:avLst/>
-          </a:prstGeom>
-          <a:noFill/>
-          <a:extLst>
-            <a:ext uri="{909E8E84-426E-40DD-AFC4-6F175D3DCCD1}">
-              <a14:hiddenFill xmlns:a14="http://schemas.microsoft.com/office/drawing/2010/main">
-                <a:solidFill>
-                  <a:srgbClr val="FFFFFF"/>
-                </a:solidFill>
-              </a14:hiddenFill>
-            </a:ext>
-          </a:extLst>
-        </p:spPr>
-      </p:pic>
     </p:spTree>
     <p:extLst>
       <p:ext uri="{BB962C8B-B14F-4D97-AF65-F5344CB8AC3E}">
@@ -5925,7 +6212,7 @@
 </p:sld>
 </file>
 
-<file path=ppt/slides/slide23.xml><?xml version="1.0" encoding="utf-8"?>
+<file path=ppt/slides/slide25.xml><?xml version="1.0" encoding="utf-8"?>
 <p:sld xmlns:a="http://schemas.openxmlformats.org/drawingml/2006/main" xmlns:r="http://schemas.openxmlformats.org/officeDocument/2006/relationships" xmlns:p="http://schemas.openxmlformats.org/presentationml/2006/main">
   <p:cSld>
     <p:spTree>
@@ -6037,9 +6324,17 @@
           <a:p>
             <a:pPr lvl="1"/>
             <a:r>
-              <a:rPr lang="en-US" dirty="0" smtClean="0"/>
+              <a:rPr lang="en-US" smtClean="0"/>
               <a:t>Installation manual</a:t>
             </a:r>
+          </a:p>
+          <a:p>
+            <a:pPr lvl="1"/>
+            <a:r>
+              <a:rPr lang="en-US" smtClean="0"/>
+              <a:t>Testing</a:t>
+            </a:r>
+            <a:endParaRPr lang="en-US" dirty="0" smtClean="0"/>
           </a:p>
           <a:p>
             <a:pPr lvl="1"/>
@@ -6047,47 +6342,6 @@
           </a:p>
         </p:txBody>
       </p:sp>
-      <p:pic>
-        <p:nvPicPr>
-          <p:cNvPr id="4" name="Picture 2" descr="E:\codeshop\team-pc.png"/>
-          <p:cNvPicPr>
-            <a:picLocks noChangeAspect="1" noChangeArrowheads="1"/>
-          </p:cNvPicPr>
-          <p:nvPr/>
-        </p:nvPicPr>
-        <p:blipFill>
-          <a:blip r:embed="rId3">
-            <a:extLst>
-              <a:ext uri="{28A0092B-C50C-407E-A947-70E740481C1C}">
-                <a14:useLocalDpi xmlns:a14="http://schemas.microsoft.com/office/drawing/2010/main" val="0"/>
-              </a:ext>
-            </a:extLst>
-          </a:blip>
-          <a:srcRect/>
-          <a:stretch>
-            <a:fillRect/>
-          </a:stretch>
-        </p:blipFill>
-        <p:spPr bwMode="auto">
-          <a:xfrm>
-            <a:off x="-1527472" y="9591672"/>
-            <a:ext cx="6675536" cy="3633170"/>
-          </a:xfrm>
-          <a:prstGeom prst="rect">
-            <a:avLst/>
-          </a:prstGeom>
-          <a:noFill/>
-          <a:extLst>
-            <a:ext uri="{909E8E84-426E-40DD-AFC4-6F175D3DCCD1}">
-              <a14:hiddenFill xmlns:a14="http://schemas.microsoft.com/office/drawing/2010/main">
-                <a:solidFill>
-                  <a:srgbClr val="FFFFFF"/>
-                </a:solidFill>
-              </a14:hiddenFill>
-            </a:ext>
-          </a:extLst>
-        </p:spPr>
-      </p:pic>
     </p:spTree>
     <p:extLst>
       <p:ext uri="{BB962C8B-B14F-4D97-AF65-F5344CB8AC3E}">
@@ -6108,7 +6362,7 @@
 </p:sld>
 </file>
 
-<file path=ppt/slides/slide24.xml><?xml version="1.0" encoding="utf-8"?>
+<file path=ppt/slides/slide26.xml><?xml version="1.0" encoding="utf-8"?>
 <p:sld xmlns:a="http://schemas.openxmlformats.org/drawingml/2006/main" xmlns:r="http://schemas.openxmlformats.org/officeDocument/2006/relationships" xmlns:p="http://schemas.openxmlformats.org/presentationml/2006/main">
   <p:cSld>
     <p:spTree>
@@ -6261,7 +6515,7 @@
 </p:sld>
 </file>
 
-<file path=ppt/slides/slide25.xml><?xml version="1.0" encoding="utf-8"?>
+<file path=ppt/slides/slide27.xml><?xml version="1.0" encoding="utf-8"?>
 <p:sld xmlns:a="http://schemas.openxmlformats.org/drawingml/2006/main" xmlns:r="http://schemas.openxmlformats.org/officeDocument/2006/relationships" xmlns:p="http://schemas.openxmlformats.org/presentationml/2006/main">
   <p:cSld>
     <p:spTree>
@@ -6348,7 +6602,7 @@
 </p:sld>
 </file>
 
-<file path=ppt/slides/slide26.xml><?xml version="1.0" encoding="utf-8"?>
+<file path=ppt/slides/slide28.xml><?xml version="1.0" encoding="utf-8"?>
 <p:sld xmlns:a="http://schemas.openxmlformats.org/drawingml/2006/main" xmlns:r="http://schemas.openxmlformats.org/officeDocument/2006/relationships" xmlns:p="http://schemas.openxmlformats.org/presentationml/2006/main">
   <p:cSld>
     <p:spTree>
@@ -6489,13 +6743,30 @@
           <a:lstStyle/>
           <a:p>
             <a:r>
-              <a:rPr lang="de-CH" dirty="0" err="1" smtClean="0"/>
+              <a:rPr lang="de-CH" err="1" smtClean="0"/>
               <a:t>Responsive</a:t>
             </a:r>
             <a:r>
+              <a:rPr lang="de-CH" smtClean="0"/>
+              <a:t> </a:t>
+            </a:r>
+            <a:r>
+              <a:rPr lang="de-CH" smtClean="0"/>
+              <a:t>design:</a:t>
+            </a:r>
+            <a:r>
               <a:rPr lang="de-CH" dirty="0" smtClean="0"/>
-              <a:t> design			Bootstrap</a:t>
-            </a:r>
+              <a:t>	</a:t>
+            </a:r>
+            <a:r>
+              <a:rPr lang="de-CH" smtClean="0"/>
+              <a:t>	</a:t>
+            </a:r>
+            <a:r>
+              <a:rPr lang="de-CH" smtClean="0"/>
+              <a:t>Bootstrap</a:t>
+            </a:r>
+            <a:endParaRPr lang="de-CH" dirty="0" smtClean="0"/>
           </a:p>
           <a:p>
             <a:r>
@@ -6615,6 +6886,295 @@
 </file>
 
 <file path=ppt/slides/slide4.xml><?xml version="1.0" encoding="utf-8"?>
+<p:sld xmlns:a="http://schemas.openxmlformats.org/drawingml/2006/main" xmlns:r="http://schemas.openxmlformats.org/officeDocument/2006/relationships" xmlns:p="http://schemas.openxmlformats.org/presentationml/2006/main">
+  <p:cSld>
+    <p:spTree>
+      <p:nvGrpSpPr>
+        <p:cNvPr id="1" name=""/>
+        <p:cNvGrpSpPr/>
+        <p:nvPr/>
+      </p:nvGrpSpPr>
+      <p:grpSpPr>
+        <a:xfrm>
+          <a:off x="0" y="0"/>
+          <a:ext cx="0" cy="0"/>
+          <a:chOff x="0" y="0"/>
+          <a:chExt cx="0" cy="0"/>
+        </a:xfrm>
+      </p:grpSpPr>
+      <p:sp>
+        <p:nvSpPr>
+          <p:cNvPr id="2" name="Titel 1"/>
+          <p:cNvSpPr>
+            <a:spLocks noGrp="1"/>
+          </p:cNvSpPr>
+          <p:nvPr>
+            <p:ph type="title"/>
+          </p:nvPr>
+        </p:nvSpPr>
+        <p:spPr/>
+        <p:txBody>
+          <a:bodyPr/>
+          <a:lstStyle/>
+          <a:p>
+            <a:r>
+              <a:rPr lang="en-US" smtClean="0"/>
+              <a:t>Database</a:t>
+            </a:r>
+            <a:endParaRPr lang="de-CH" dirty="0"/>
+          </a:p>
+        </p:txBody>
+      </p:sp>
+      <p:sp>
+        <p:nvSpPr>
+          <p:cNvPr id="3" name="Inhaltsplatzhalter 2"/>
+          <p:cNvSpPr>
+            <a:spLocks noGrp="1"/>
+          </p:cNvSpPr>
+          <p:nvPr>
+            <p:ph sz="quarter" idx="1"/>
+          </p:nvPr>
+        </p:nvSpPr>
+        <p:spPr/>
+        <p:txBody>
+          <a:bodyPr/>
+          <a:lstStyle/>
+          <a:p>
+            <a:r>
+              <a:rPr lang="en-US" smtClean="0"/>
+              <a:t>ERD</a:t>
+            </a:r>
+            <a:endParaRPr lang="de-CH" dirty="0"/>
+          </a:p>
+        </p:txBody>
+      </p:sp>
+      <p:pic>
+        <p:nvPicPr>
+          <p:cNvPr id="1026" name="Picture 2" descr="C:\Users\Mathias\Documents\GitHub\ch.bfh.bti7054.w2014.p.webshop\doc\erd.png"/>
+          <p:cNvPicPr>
+            <a:picLocks noChangeAspect="1" noChangeArrowheads="1"/>
+          </p:cNvPicPr>
+          <p:nvPr/>
+        </p:nvPicPr>
+        <p:blipFill>
+          <a:blip r:embed="rId2">
+            <a:extLst>
+              <a:ext uri="{28A0092B-C50C-407E-A947-70E740481C1C}">
+                <a14:useLocalDpi xmlns:a14="http://schemas.microsoft.com/office/drawing/2010/main" val="0"/>
+              </a:ext>
+            </a:extLst>
+          </a:blip>
+          <a:srcRect/>
+          <a:stretch>
+            <a:fillRect/>
+          </a:stretch>
+        </p:blipFill>
+        <p:spPr bwMode="auto">
+          <a:xfrm>
+            <a:off x="0" y="2139031"/>
+            <a:ext cx="9144000" cy="3959998"/>
+          </a:xfrm>
+          <a:prstGeom prst="rect">
+            <a:avLst/>
+          </a:prstGeom>
+          <a:noFill/>
+          <a:extLst>
+            <a:ext uri="{909E8E84-426E-40DD-AFC4-6F175D3DCCD1}">
+              <a14:hiddenFill xmlns:a14="http://schemas.microsoft.com/office/drawing/2010/main">
+                <a:solidFill>
+                  <a:srgbClr val="FFFFFF"/>
+                </a:solidFill>
+              </a14:hiddenFill>
+            </a:ext>
+          </a:extLst>
+        </p:spPr>
+      </p:pic>
+    </p:spTree>
+    <p:extLst>
+      <p:ext uri="{BB962C8B-B14F-4D97-AF65-F5344CB8AC3E}">
+        <p14:creationId xmlns:p14="http://schemas.microsoft.com/office/powerpoint/2010/main" val="3660143959"/>
+      </p:ext>
+    </p:extLst>
+  </p:cSld>
+  <p:clrMapOvr>
+    <a:masterClrMapping/>
+  </p:clrMapOvr>
+  <p:timing>
+    <p:tnLst>
+      <p:par>
+        <p:cTn id="1" dur="indefinite" restart="never" nodeType="tmRoot"/>
+      </p:par>
+    </p:tnLst>
+  </p:timing>
+</p:sld>
+</file>
+
+<file path=ppt/slides/slide5.xml><?xml version="1.0" encoding="utf-8"?>
+<p:sld xmlns:a="http://schemas.openxmlformats.org/drawingml/2006/main" xmlns:r="http://schemas.openxmlformats.org/officeDocument/2006/relationships" xmlns:p="http://schemas.openxmlformats.org/presentationml/2006/main">
+  <p:cSld>
+    <p:spTree>
+      <p:nvGrpSpPr>
+        <p:cNvPr id="1" name=""/>
+        <p:cNvGrpSpPr/>
+        <p:nvPr/>
+      </p:nvGrpSpPr>
+      <p:grpSpPr>
+        <a:xfrm>
+          <a:off x="0" y="0"/>
+          <a:ext cx="0" cy="0"/>
+          <a:chOff x="0" y="0"/>
+          <a:chExt cx="0" cy="0"/>
+        </a:xfrm>
+      </p:grpSpPr>
+      <p:sp>
+        <p:nvSpPr>
+          <p:cNvPr id="2" name="Titel 1"/>
+          <p:cNvSpPr>
+            <a:spLocks noGrp="1"/>
+          </p:cNvSpPr>
+          <p:nvPr>
+            <p:ph type="title"/>
+          </p:nvPr>
+        </p:nvSpPr>
+        <p:spPr/>
+        <p:txBody>
+          <a:bodyPr/>
+          <a:lstStyle/>
+          <a:p>
+            <a:r>
+              <a:rPr lang="en-US" smtClean="0"/>
+              <a:t>Database</a:t>
+            </a:r>
+            <a:endParaRPr lang="de-CH" dirty="0"/>
+          </a:p>
+        </p:txBody>
+      </p:sp>
+      <p:sp>
+        <p:nvSpPr>
+          <p:cNvPr id="3" name="Inhaltsplatzhalter 2"/>
+          <p:cNvSpPr>
+            <a:spLocks noGrp="1"/>
+          </p:cNvSpPr>
+          <p:nvPr>
+            <p:ph sz="quarter" idx="1"/>
+          </p:nvPr>
+        </p:nvSpPr>
+        <p:spPr/>
+        <p:txBody>
+          <a:bodyPr/>
+          <a:lstStyle/>
+          <a:p>
+            <a:r>
+              <a:rPr lang="en-US" smtClean="0"/>
+              <a:t>PDO Database abstraction</a:t>
+            </a:r>
+            <a:endParaRPr lang="de-CH" dirty="0"/>
+          </a:p>
+        </p:txBody>
+      </p:sp>
+      <p:pic>
+        <p:nvPicPr>
+          <p:cNvPr id="2050" name="Picture 2" descr="SQLite Logo"/>
+          <p:cNvPicPr>
+            <a:picLocks noChangeAspect="1" noChangeArrowheads="1"/>
+          </p:cNvPicPr>
+          <p:nvPr/>
+        </p:nvPicPr>
+        <p:blipFill>
+          <a:blip r:embed="rId2">
+            <a:extLst>
+              <a:ext uri="{28A0092B-C50C-407E-A947-70E740481C1C}">
+                <a14:useLocalDpi xmlns:a14="http://schemas.microsoft.com/office/drawing/2010/main" val="0"/>
+              </a:ext>
+            </a:extLst>
+          </a:blip>
+          <a:srcRect/>
+          <a:stretch>
+            <a:fillRect/>
+          </a:stretch>
+        </p:blipFill>
+        <p:spPr bwMode="auto">
+          <a:xfrm>
+            <a:off x="858954" y="3084093"/>
+            <a:ext cx="3136982" cy="1440160"/>
+          </a:xfrm>
+          <a:prstGeom prst="rect">
+            <a:avLst/>
+          </a:prstGeom>
+          <a:noFill/>
+          <a:extLst>
+            <a:ext uri="{909E8E84-426E-40DD-AFC4-6F175D3DCCD1}">
+              <a14:hiddenFill xmlns:a14="http://schemas.microsoft.com/office/drawing/2010/main">
+                <a:solidFill>
+                  <a:srgbClr val="FFFFFF"/>
+                </a:solidFill>
+              </a14:hiddenFill>
+            </a:ext>
+          </a:extLst>
+        </p:spPr>
+      </p:pic>
+      <p:pic>
+        <p:nvPicPr>
+          <p:cNvPr id="2054" name="Picture 6" descr="http://upload.wikimedia.org/wikipedia/de/thumb/1/1f/Logo_MySQL.svg/250px-Logo_MySQL.svg.png"/>
+          <p:cNvPicPr>
+            <a:picLocks noChangeAspect="1" noChangeArrowheads="1"/>
+          </p:cNvPicPr>
+          <p:nvPr/>
+        </p:nvPicPr>
+        <p:blipFill>
+          <a:blip r:embed="rId3">
+            <a:extLst>
+              <a:ext uri="{28A0092B-C50C-407E-A947-70E740481C1C}">
+                <a14:useLocalDpi xmlns:a14="http://schemas.microsoft.com/office/drawing/2010/main" val="0"/>
+              </a:ext>
+            </a:extLst>
+          </a:blip>
+          <a:srcRect/>
+          <a:stretch>
+            <a:fillRect/>
+          </a:stretch>
+        </p:blipFill>
+        <p:spPr bwMode="auto">
+          <a:xfrm>
+            <a:off x="4788024" y="2788571"/>
+            <a:ext cx="3312368" cy="1735681"/>
+          </a:xfrm>
+          <a:prstGeom prst="rect">
+            <a:avLst/>
+          </a:prstGeom>
+          <a:noFill/>
+          <a:extLst>
+            <a:ext uri="{909E8E84-426E-40DD-AFC4-6F175D3DCCD1}">
+              <a14:hiddenFill xmlns:a14="http://schemas.microsoft.com/office/drawing/2010/main">
+                <a:solidFill>
+                  <a:srgbClr val="FFFFFF"/>
+                </a:solidFill>
+              </a14:hiddenFill>
+            </a:ext>
+          </a:extLst>
+        </p:spPr>
+      </p:pic>
+    </p:spTree>
+    <p:extLst>
+      <p:ext uri="{BB962C8B-B14F-4D97-AF65-F5344CB8AC3E}">
+        <p14:creationId xmlns:p14="http://schemas.microsoft.com/office/powerpoint/2010/main" val="2130059358"/>
+      </p:ext>
+    </p:extLst>
+  </p:cSld>
+  <p:clrMapOvr>
+    <a:masterClrMapping/>
+  </p:clrMapOvr>
+  <p:timing>
+    <p:tnLst>
+      <p:par>
+        <p:cTn id="1" dur="indefinite" restart="never" nodeType="tmRoot"/>
+      </p:par>
+    </p:tnLst>
+  </p:timing>
+</p:sld>
+</file>
+
+<file path=ppt/slides/slide6.xml><?xml version="1.0" encoding="utf-8"?>
 <p:sld xmlns:a="http://schemas.openxmlformats.org/drawingml/2006/main" xmlns:r="http://schemas.openxmlformats.org/officeDocument/2006/relationships" xmlns:p="http://schemas.openxmlformats.org/presentationml/2006/main">
   <p:cSld>
     <p:spTree>
@@ -6888,7 +7448,7 @@
 </p:sld>
 </file>
 
-<file path=ppt/slides/slide5.xml><?xml version="1.0" encoding="utf-8"?>
+<file path=ppt/slides/slide7.xml><?xml version="1.0" encoding="utf-8"?>
 <p:sld xmlns:a="http://schemas.openxmlformats.org/drawingml/2006/main" xmlns:r="http://schemas.openxmlformats.org/officeDocument/2006/relationships" xmlns:p="http://schemas.openxmlformats.org/presentationml/2006/main">
   <p:cSld>
     <p:spTree>
@@ -7103,597 +7663,6 @@
     <p:extLst>
       <p:ext uri="{BB962C8B-B14F-4D97-AF65-F5344CB8AC3E}">
         <p14:creationId xmlns:p14="http://schemas.microsoft.com/office/powerpoint/2010/main" val="128862119"/>
-      </p:ext>
-    </p:extLst>
-  </p:cSld>
-  <p:clrMapOvr>
-    <a:masterClrMapping/>
-  </p:clrMapOvr>
-  <p:timing>
-    <p:tnLst>
-      <p:par>
-        <p:cTn id="1" dur="indefinite" restart="never" nodeType="tmRoot"/>
-      </p:par>
-    </p:tnLst>
-  </p:timing>
-</p:sld>
-</file>
-
-<file path=ppt/slides/slide6.xml><?xml version="1.0" encoding="utf-8"?>
-<p:sld xmlns:a="http://schemas.openxmlformats.org/drawingml/2006/main" xmlns:r="http://schemas.openxmlformats.org/officeDocument/2006/relationships" xmlns:p="http://schemas.openxmlformats.org/presentationml/2006/main">
-  <p:cSld>
-    <p:spTree>
-      <p:nvGrpSpPr>
-        <p:cNvPr id="1" name=""/>
-        <p:cNvGrpSpPr/>
-        <p:nvPr/>
-      </p:nvGrpSpPr>
-      <p:grpSpPr>
-        <a:xfrm>
-          <a:off x="0" y="0"/>
-          <a:ext cx="0" cy="0"/>
-          <a:chOff x="0" y="0"/>
-          <a:chExt cx="0" cy="0"/>
-        </a:xfrm>
-      </p:grpSpPr>
-      <p:sp>
-        <p:nvSpPr>
-          <p:cNvPr id="2" name="Titel 1"/>
-          <p:cNvSpPr>
-            <a:spLocks noGrp="1"/>
-          </p:cNvSpPr>
-          <p:nvPr>
-            <p:ph type="title"/>
-          </p:nvPr>
-        </p:nvSpPr>
-        <p:spPr/>
-        <p:txBody>
-          <a:bodyPr/>
-          <a:lstStyle/>
-          <a:p>
-            <a:r>
-              <a:rPr lang="en-US" dirty="0" smtClean="0"/>
-              <a:t>Features</a:t>
-            </a:r>
-            <a:endParaRPr lang="de-CH" dirty="0"/>
-          </a:p>
-        </p:txBody>
-      </p:sp>
-      <p:sp>
-        <p:nvSpPr>
-          <p:cNvPr id="7" name="Inhaltsplatzhalter 6"/>
-          <p:cNvSpPr>
-            <a:spLocks noGrp="1"/>
-          </p:cNvSpPr>
-          <p:nvPr>
-            <p:ph sz="quarter" idx="1"/>
-          </p:nvPr>
-        </p:nvSpPr>
-        <p:spPr/>
-        <p:txBody>
-          <a:bodyPr/>
-          <a:lstStyle/>
-          <a:p>
-            <a:r>
-              <a:rPr lang="en-US" dirty="0" smtClean="0"/>
-              <a:t>i18n - Labels</a:t>
-            </a:r>
-            <a:endParaRPr lang="de-CH" dirty="0"/>
-          </a:p>
-        </p:txBody>
-      </p:sp>
-      <p:pic>
-        <p:nvPicPr>
-          <p:cNvPr id="8" name="Picture 2" descr="E:\codeshop\php_template.png"/>
-          <p:cNvPicPr>
-            <a:picLocks noChangeAspect="1" noChangeArrowheads="1"/>
-          </p:cNvPicPr>
-          <p:nvPr/>
-        </p:nvPicPr>
-        <p:blipFill rotWithShape="1">
-          <a:blip r:embed="rId2">
-            <a:extLst>
-              <a:ext uri="{28A0092B-C50C-407E-A947-70E740481C1C}">
-                <a14:useLocalDpi xmlns:a14="http://schemas.microsoft.com/office/drawing/2010/main" val="0"/>
-              </a:ext>
-            </a:extLst>
-          </a:blip>
-          <a:srcRect t="75281"/>
-          <a:stretch/>
-        </p:blipFill>
-        <p:spPr bwMode="auto">
-          <a:xfrm>
-            <a:off x="1403648" y="5195843"/>
-            <a:ext cx="6518498" cy="1076712"/>
-          </a:xfrm>
-          <a:prstGeom prst="rect">
-            <a:avLst/>
-          </a:prstGeom>
-          <a:noFill/>
-          <a:extLst>
-            <a:ext uri="{909E8E84-426E-40DD-AFC4-6F175D3DCCD1}">
-              <a14:hiddenFill xmlns:a14="http://schemas.microsoft.com/office/drawing/2010/main">
-                <a:solidFill>
-                  <a:srgbClr val="FFFFFF"/>
-                </a:solidFill>
-              </a14:hiddenFill>
-            </a:ext>
-          </a:extLst>
-        </p:spPr>
-      </p:pic>
-      <p:sp>
-        <p:nvSpPr>
-          <p:cNvPr id="9" name="Rechteck 8"/>
-          <p:cNvSpPr/>
-          <p:nvPr/>
-        </p:nvSpPr>
-        <p:spPr>
-          <a:xfrm>
-            <a:off x="4355976" y="5733256"/>
-            <a:ext cx="2448272" cy="288032"/>
-          </a:xfrm>
-          <a:prstGeom prst="rect">
-            <a:avLst/>
-          </a:prstGeom>
-          <a:noFill/>
-          <a:ln w="38100">
-            <a:solidFill>
-              <a:schemeClr val="accent1"/>
-            </a:solidFill>
-          </a:ln>
-        </p:spPr>
-        <p:style>
-          <a:lnRef idx="2">
-            <a:schemeClr val="accent1">
-              <a:shade val="50000"/>
-            </a:schemeClr>
-          </a:lnRef>
-          <a:fillRef idx="1">
-            <a:schemeClr val="accent1"/>
-          </a:fillRef>
-          <a:effectRef idx="0">
-            <a:schemeClr val="accent1"/>
-          </a:effectRef>
-          <a:fontRef idx="minor">
-            <a:schemeClr val="lt1"/>
-          </a:fontRef>
-        </p:style>
-        <p:txBody>
-          <a:bodyPr rtlCol="0" anchor="ctr"/>
-          <a:lstStyle/>
-          <a:p>
-            <a:pPr algn="r"/>
-            <a:endParaRPr lang="de-CH" sz="6000" dirty="0">
-              <a:solidFill>
-                <a:srgbClr val="FF0000"/>
-              </a:solidFill>
-            </a:endParaRPr>
-          </a:p>
-        </p:txBody>
-      </p:sp>
-      <p:pic>
-        <p:nvPicPr>
-          <p:cNvPr id="6147" name="Picture 3" descr="E:\codeshop\i18n-labels.png"/>
-          <p:cNvPicPr>
-            <a:picLocks noChangeAspect="1" noChangeArrowheads="1"/>
-          </p:cNvPicPr>
-          <p:nvPr/>
-        </p:nvPicPr>
-        <p:blipFill>
-          <a:blip r:embed="rId3">
-            <a:extLst>
-              <a:ext uri="{28A0092B-C50C-407E-A947-70E740481C1C}">
-                <a14:useLocalDpi xmlns:a14="http://schemas.microsoft.com/office/drawing/2010/main" val="0"/>
-              </a:ext>
-            </a:extLst>
-          </a:blip>
-          <a:srcRect/>
-          <a:stretch>
-            <a:fillRect/>
-          </a:stretch>
-        </p:blipFill>
-        <p:spPr bwMode="auto">
-          <a:xfrm>
-            <a:off x="180975" y="2100263"/>
-            <a:ext cx="8780463" cy="2655887"/>
-          </a:xfrm>
-          <a:prstGeom prst="rect">
-            <a:avLst/>
-          </a:prstGeom>
-          <a:noFill/>
-          <a:extLst>
-            <a:ext uri="{909E8E84-426E-40DD-AFC4-6F175D3DCCD1}">
-              <a14:hiddenFill xmlns:a14="http://schemas.microsoft.com/office/drawing/2010/main">
-                <a:solidFill>
-                  <a:srgbClr val="FFFFFF"/>
-                </a:solidFill>
-              </a14:hiddenFill>
-            </a:ext>
-          </a:extLst>
-        </p:spPr>
-      </p:pic>
-      <p:sp>
-        <p:nvSpPr>
-          <p:cNvPr id="12" name="Rechteck 11"/>
-          <p:cNvSpPr/>
-          <p:nvPr/>
-        </p:nvSpPr>
-        <p:spPr>
-          <a:xfrm>
-            <a:off x="220596" y="3143798"/>
-            <a:ext cx="8671883" cy="717250"/>
-          </a:xfrm>
-          <a:prstGeom prst="rect">
-            <a:avLst/>
-          </a:prstGeom>
-          <a:noFill/>
-          <a:ln w="38100">
-            <a:solidFill>
-              <a:schemeClr val="accent1"/>
-            </a:solidFill>
-          </a:ln>
-        </p:spPr>
-        <p:style>
-          <a:lnRef idx="2">
-            <a:schemeClr val="accent1">
-              <a:shade val="50000"/>
-            </a:schemeClr>
-          </a:lnRef>
-          <a:fillRef idx="1">
-            <a:schemeClr val="accent1"/>
-          </a:fillRef>
-          <a:effectRef idx="0">
-            <a:schemeClr val="accent1"/>
-          </a:effectRef>
-          <a:fontRef idx="minor">
-            <a:schemeClr val="lt1"/>
-          </a:fontRef>
-        </p:style>
-        <p:txBody>
-          <a:bodyPr rtlCol="0" anchor="ctr"/>
-          <a:lstStyle/>
-          <a:p>
-            <a:pPr algn="r"/>
-            <a:endParaRPr lang="de-CH" sz="6000" dirty="0">
-              <a:solidFill>
-                <a:srgbClr val="FF0000"/>
-              </a:solidFill>
-            </a:endParaRPr>
-          </a:p>
-        </p:txBody>
-      </p:sp>
-    </p:spTree>
-    <p:extLst>
-      <p:ext uri="{BB962C8B-B14F-4D97-AF65-F5344CB8AC3E}">
-        <p14:creationId xmlns:p14="http://schemas.microsoft.com/office/powerpoint/2010/main" val="2173326318"/>
-      </p:ext>
-    </p:extLst>
-  </p:cSld>
-  <p:clrMapOvr>
-    <a:masterClrMapping/>
-  </p:clrMapOvr>
-  <p:timing>
-    <p:tnLst>
-      <p:par>
-        <p:cTn id="1" dur="indefinite" restart="never" nodeType="tmRoot"/>
-      </p:par>
-    </p:tnLst>
-  </p:timing>
-</p:sld>
-</file>
-
-<file path=ppt/slides/slide7.xml><?xml version="1.0" encoding="utf-8"?>
-<p:sld xmlns:a="http://schemas.openxmlformats.org/drawingml/2006/main" xmlns:r="http://schemas.openxmlformats.org/officeDocument/2006/relationships" xmlns:p="http://schemas.openxmlformats.org/presentationml/2006/main">
-  <p:cSld>
-    <p:spTree>
-      <p:nvGrpSpPr>
-        <p:cNvPr id="1" name=""/>
-        <p:cNvGrpSpPr/>
-        <p:nvPr/>
-      </p:nvGrpSpPr>
-      <p:grpSpPr>
-        <a:xfrm>
-          <a:off x="0" y="0"/>
-          <a:ext cx="0" cy="0"/>
-          <a:chOff x="0" y="0"/>
-          <a:chExt cx="0" cy="0"/>
-        </a:xfrm>
-      </p:grpSpPr>
-      <p:sp>
-        <p:nvSpPr>
-          <p:cNvPr id="2" name="Titel 1"/>
-          <p:cNvSpPr>
-            <a:spLocks noGrp="1"/>
-          </p:cNvSpPr>
-          <p:nvPr>
-            <p:ph type="title"/>
-          </p:nvPr>
-        </p:nvSpPr>
-        <p:spPr/>
-        <p:txBody>
-          <a:bodyPr/>
-          <a:lstStyle/>
-          <a:p>
-            <a:r>
-              <a:rPr lang="en-US" dirty="0" smtClean="0"/>
-              <a:t>Features</a:t>
-            </a:r>
-            <a:endParaRPr lang="de-CH" dirty="0"/>
-          </a:p>
-        </p:txBody>
-      </p:sp>
-      <p:sp>
-        <p:nvSpPr>
-          <p:cNvPr id="3" name="Inhaltsplatzhalter 2"/>
-          <p:cNvSpPr>
-            <a:spLocks noGrp="1"/>
-          </p:cNvSpPr>
-          <p:nvPr>
-            <p:ph sz="quarter" idx="1"/>
-          </p:nvPr>
-        </p:nvSpPr>
-        <p:spPr/>
-        <p:txBody>
-          <a:bodyPr/>
-          <a:lstStyle/>
-          <a:p>
-            <a:r>
-              <a:rPr lang="en-US" dirty="0"/>
-              <a:t>i</a:t>
-            </a:r>
-            <a:r>
-              <a:rPr lang="en-US" dirty="0" smtClean="0"/>
-              <a:t>18n - Database</a:t>
-            </a:r>
-            <a:endParaRPr lang="de-CH" dirty="0"/>
-          </a:p>
-        </p:txBody>
-      </p:sp>
-      <p:pic>
-        <p:nvPicPr>
-          <p:cNvPr id="5122" name="Picture 2" descr="E:\codeshop\i18n-db.png"/>
-          <p:cNvPicPr>
-            <a:picLocks noChangeAspect="1" noChangeArrowheads="1"/>
-          </p:cNvPicPr>
-          <p:nvPr/>
-        </p:nvPicPr>
-        <p:blipFill>
-          <a:blip r:embed="rId2">
-            <a:extLst>
-              <a:ext uri="{28A0092B-C50C-407E-A947-70E740481C1C}">
-                <a14:useLocalDpi xmlns:a14="http://schemas.microsoft.com/office/drawing/2010/main" val="0"/>
-              </a:ext>
-            </a:extLst>
-          </a:blip>
-          <a:srcRect/>
-          <a:stretch>
-            <a:fillRect/>
-          </a:stretch>
-        </p:blipFill>
-        <p:spPr bwMode="auto">
-          <a:xfrm>
-            <a:off x="539552" y="2060848"/>
-            <a:ext cx="8292354" cy="4257079"/>
-          </a:xfrm>
-          <a:prstGeom prst="rect">
-            <a:avLst/>
-          </a:prstGeom>
-          <a:noFill/>
-          <a:extLst>
-            <a:ext uri="{909E8E84-426E-40DD-AFC4-6F175D3DCCD1}">
-              <a14:hiddenFill xmlns:a14="http://schemas.microsoft.com/office/drawing/2010/main">
-                <a:solidFill>
-                  <a:srgbClr val="FFFFFF"/>
-                </a:solidFill>
-              </a14:hiddenFill>
-            </a:ext>
-          </a:extLst>
-        </p:spPr>
-      </p:pic>
-      <p:sp>
-        <p:nvSpPr>
-          <p:cNvPr id="5" name="Rechteck 4"/>
-          <p:cNvSpPr/>
-          <p:nvPr/>
-        </p:nvSpPr>
-        <p:spPr>
-          <a:xfrm>
-            <a:off x="2915816" y="2636912"/>
-            <a:ext cx="2160240" cy="360040"/>
-          </a:xfrm>
-          <a:prstGeom prst="rect">
-            <a:avLst/>
-          </a:prstGeom>
-          <a:noFill/>
-          <a:ln w="38100">
-            <a:solidFill>
-              <a:schemeClr val="accent1"/>
-            </a:solidFill>
-          </a:ln>
-        </p:spPr>
-        <p:style>
-          <a:lnRef idx="2">
-            <a:schemeClr val="accent1">
-              <a:shade val="50000"/>
-            </a:schemeClr>
-          </a:lnRef>
-          <a:fillRef idx="1">
-            <a:schemeClr val="accent1"/>
-          </a:fillRef>
-          <a:effectRef idx="0">
-            <a:schemeClr val="accent1"/>
-          </a:effectRef>
-          <a:fontRef idx="minor">
-            <a:schemeClr val="lt1"/>
-          </a:fontRef>
-        </p:style>
-        <p:txBody>
-          <a:bodyPr rtlCol="0" anchor="ctr"/>
-          <a:lstStyle/>
-          <a:p>
-            <a:pPr algn="r"/>
-            <a:endParaRPr lang="de-CH" sz="6000" dirty="0">
-              <a:solidFill>
-                <a:srgbClr val="FF0000"/>
-              </a:solidFill>
-            </a:endParaRPr>
-          </a:p>
-        </p:txBody>
-      </p:sp>
-      <p:sp>
-        <p:nvSpPr>
-          <p:cNvPr id="6" name="Rechteck 5"/>
-          <p:cNvSpPr/>
-          <p:nvPr/>
-        </p:nvSpPr>
-        <p:spPr>
-          <a:xfrm>
-            <a:off x="5292080" y="2636912"/>
-            <a:ext cx="1656184" cy="360040"/>
-          </a:xfrm>
-          <a:prstGeom prst="rect">
-            <a:avLst/>
-          </a:prstGeom>
-          <a:noFill/>
-          <a:ln w="38100">
-            <a:solidFill>
-              <a:schemeClr val="accent1"/>
-            </a:solidFill>
-          </a:ln>
-        </p:spPr>
-        <p:style>
-          <a:lnRef idx="2">
-            <a:schemeClr val="accent1">
-              <a:shade val="50000"/>
-            </a:schemeClr>
-          </a:lnRef>
-          <a:fillRef idx="1">
-            <a:schemeClr val="accent1"/>
-          </a:fillRef>
-          <a:effectRef idx="0">
-            <a:schemeClr val="accent1"/>
-          </a:effectRef>
-          <a:fontRef idx="minor">
-            <a:schemeClr val="lt1"/>
-          </a:fontRef>
-        </p:style>
-        <p:txBody>
-          <a:bodyPr rtlCol="0" anchor="ctr"/>
-          <a:lstStyle/>
-          <a:p>
-            <a:pPr algn="r"/>
-            <a:endParaRPr lang="de-CH" sz="6000" dirty="0">
-              <a:solidFill>
-                <a:srgbClr val="FF0000"/>
-              </a:solidFill>
-            </a:endParaRPr>
-          </a:p>
-        </p:txBody>
-      </p:sp>
-      <p:sp>
-        <p:nvSpPr>
-          <p:cNvPr id="7" name="Rechteck 6"/>
-          <p:cNvSpPr/>
-          <p:nvPr/>
-        </p:nvSpPr>
-        <p:spPr>
-          <a:xfrm>
-            <a:off x="5292080" y="3212976"/>
-            <a:ext cx="2232248" cy="288032"/>
-          </a:xfrm>
-          <a:prstGeom prst="rect">
-            <a:avLst/>
-          </a:prstGeom>
-          <a:noFill/>
-          <a:ln w="38100">
-            <a:solidFill>
-              <a:schemeClr val="accent1"/>
-            </a:solidFill>
-          </a:ln>
-        </p:spPr>
-        <p:style>
-          <a:lnRef idx="2">
-            <a:schemeClr val="accent1">
-              <a:shade val="50000"/>
-            </a:schemeClr>
-          </a:lnRef>
-          <a:fillRef idx="1">
-            <a:schemeClr val="accent1"/>
-          </a:fillRef>
-          <a:effectRef idx="0">
-            <a:schemeClr val="accent1"/>
-          </a:effectRef>
-          <a:fontRef idx="minor">
-            <a:schemeClr val="lt1"/>
-          </a:fontRef>
-        </p:style>
-        <p:txBody>
-          <a:bodyPr rtlCol="0" anchor="ctr"/>
-          <a:lstStyle/>
-          <a:p>
-            <a:pPr algn="r"/>
-            <a:endParaRPr lang="de-CH" sz="6000" dirty="0">
-              <a:solidFill>
-                <a:srgbClr val="FF0000"/>
-              </a:solidFill>
-            </a:endParaRPr>
-          </a:p>
-        </p:txBody>
-      </p:sp>
-      <p:sp>
-        <p:nvSpPr>
-          <p:cNvPr id="8" name="Rechteck 7"/>
-          <p:cNvSpPr/>
-          <p:nvPr/>
-        </p:nvSpPr>
-        <p:spPr>
-          <a:xfrm>
-            <a:off x="539552" y="3789040"/>
-            <a:ext cx="6984776" cy="504056"/>
-          </a:xfrm>
-          <a:prstGeom prst="rect">
-            <a:avLst/>
-          </a:prstGeom>
-          <a:noFill/>
-          <a:ln w="38100">
-            <a:solidFill>
-              <a:schemeClr val="accent1"/>
-            </a:solidFill>
-          </a:ln>
-        </p:spPr>
-        <p:style>
-          <a:lnRef idx="2">
-            <a:schemeClr val="accent1">
-              <a:shade val="50000"/>
-            </a:schemeClr>
-          </a:lnRef>
-          <a:fillRef idx="1">
-            <a:schemeClr val="accent1"/>
-          </a:fillRef>
-          <a:effectRef idx="0">
-            <a:schemeClr val="accent1"/>
-          </a:effectRef>
-          <a:fontRef idx="minor">
-            <a:schemeClr val="lt1"/>
-          </a:fontRef>
-        </p:style>
-        <p:txBody>
-          <a:bodyPr rtlCol="0" anchor="ctr"/>
-          <a:lstStyle/>
-          <a:p>
-            <a:pPr algn="r"/>
-            <a:endParaRPr lang="de-CH" sz="6000" dirty="0">
-              <a:solidFill>
-                <a:srgbClr val="FF0000"/>
-              </a:solidFill>
-            </a:endParaRPr>
-          </a:p>
-        </p:txBody>
-      </p:sp>
-    </p:spTree>
-    <p:extLst>
-      <p:ext uri="{BB962C8B-B14F-4D97-AF65-F5344CB8AC3E}">
-        <p14:creationId xmlns:p14="http://schemas.microsoft.com/office/powerpoint/2010/main" val="1911133426"/>
       </p:ext>
     </p:extLst>
   </p:cSld>
@@ -7727,15 +7696,61 @@
           <a:chExt cx="0" cy="0"/>
         </a:xfrm>
       </p:grpSpPr>
+      <p:sp>
+        <p:nvSpPr>
+          <p:cNvPr id="2" name="Titel 1"/>
+          <p:cNvSpPr>
+            <a:spLocks noGrp="1"/>
+          </p:cNvSpPr>
+          <p:nvPr>
+            <p:ph type="title"/>
+          </p:nvPr>
+        </p:nvSpPr>
+        <p:spPr/>
+        <p:txBody>
+          <a:bodyPr/>
+          <a:lstStyle/>
+          <a:p>
+            <a:r>
+              <a:rPr lang="en-US" dirty="0" smtClean="0"/>
+              <a:t>Features</a:t>
+            </a:r>
+            <a:endParaRPr lang="de-CH" dirty="0"/>
+          </a:p>
+        </p:txBody>
+      </p:sp>
+      <p:sp>
+        <p:nvSpPr>
+          <p:cNvPr id="7" name="Inhaltsplatzhalter 6"/>
+          <p:cNvSpPr>
+            <a:spLocks noGrp="1"/>
+          </p:cNvSpPr>
+          <p:nvPr>
+            <p:ph sz="quarter" idx="1"/>
+          </p:nvPr>
+        </p:nvSpPr>
+        <p:spPr/>
+        <p:txBody>
+          <a:bodyPr/>
+          <a:lstStyle/>
+          <a:p>
+            <a:r>
+              <a:rPr lang="en-US" dirty="0" smtClean="0"/>
+              <a:t>i18n - Labels</a:t>
+            </a:r>
+            <a:endParaRPr lang="de-CH" dirty="0"/>
+          </a:p>
+        </p:txBody>
+      </p:sp>
       <p:pic>
         <p:nvPicPr>
-          <p:cNvPr id="7173" name="Picture 5" descr="E:\codeshop\search-1.png"/>
+          <p:cNvPr id="8" name="Picture 2" descr="E:\codeshop\php_template.png"/>
           <p:cNvPicPr>
             <a:picLocks noChangeAspect="1" noChangeArrowheads="1"/>
           </p:cNvPicPr>
           <p:nvPr/>
         </p:nvPicPr>
-        <p:blipFill>
+        <p:blipFill rotWithShape="1">
           <a:blip r:embed="rId2">
             <a:extLst>
               <a:ext uri="{28A0092B-C50C-407E-A947-70E740481C1C}">
@@ -7743,15 +7758,13 @@
               </a:ext>
             </a:extLst>
           </a:blip>
-          <a:srcRect/>
-          <a:stretch>
-            <a:fillRect/>
-          </a:stretch>
+          <a:srcRect t="75281"/>
+          <a:stretch/>
         </p:blipFill>
         <p:spPr bwMode="auto">
           <a:xfrm>
-            <a:off x="262652" y="2708920"/>
-            <a:ext cx="8585200" cy="2236787"/>
+            <a:off x="1403648" y="5195843"/>
+            <a:ext cx="6518498" cy="1076712"/>
           </a:xfrm>
           <a:prstGeom prst="rect">
             <a:avLst/>
@@ -7770,60 +7783,14 @@
       </p:pic>
       <p:sp>
         <p:nvSpPr>
-          <p:cNvPr id="2" name="Titel 1"/>
-          <p:cNvSpPr>
-            <a:spLocks noGrp="1"/>
-          </p:cNvSpPr>
-          <p:nvPr>
-            <p:ph type="title"/>
-          </p:nvPr>
-        </p:nvSpPr>
-        <p:spPr/>
-        <p:txBody>
-          <a:bodyPr/>
-          <a:lstStyle/>
-          <a:p>
-            <a:r>
-              <a:rPr lang="en-US" dirty="0" smtClean="0"/>
-              <a:t>Features</a:t>
-            </a:r>
-            <a:endParaRPr lang="de-CH" dirty="0"/>
-          </a:p>
-        </p:txBody>
-      </p:sp>
-      <p:sp>
-        <p:nvSpPr>
-          <p:cNvPr id="3" name="Inhaltsplatzhalter 2"/>
-          <p:cNvSpPr>
-            <a:spLocks noGrp="1"/>
-          </p:cNvSpPr>
-          <p:nvPr>
-            <p:ph sz="quarter" idx="1"/>
-          </p:nvPr>
-        </p:nvSpPr>
-        <p:spPr/>
-        <p:txBody>
-          <a:bodyPr/>
-          <a:lstStyle/>
-          <a:p>
-            <a:r>
-              <a:rPr lang="en-US" dirty="0" smtClean="0"/>
-              <a:t>i18n – search</a:t>
-            </a:r>
-            <a:endParaRPr lang="de-CH" dirty="0"/>
-          </a:p>
-        </p:txBody>
-      </p:sp>
-      <p:sp>
-        <p:nvSpPr>
           <p:cNvPr id="9" name="Rechteck 8"/>
           <p:cNvSpPr/>
           <p:nvPr/>
         </p:nvSpPr>
         <p:spPr>
           <a:xfrm>
-            <a:off x="6588224" y="2708920"/>
-            <a:ext cx="2160240" cy="432048"/>
+            <a:off x="4355976" y="5733256"/>
+            <a:ext cx="2448272" cy="288032"/>
           </a:xfrm>
           <a:prstGeom prst="rect">
             <a:avLst/>
@@ -7864,6 +7831,47 @@
           </a:p>
         </p:txBody>
       </p:sp>
+      <p:pic>
+        <p:nvPicPr>
+          <p:cNvPr id="6147" name="Picture 3" descr="E:\codeshop\i18n-labels.png"/>
+          <p:cNvPicPr>
+            <a:picLocks noChangeAspect="1" noChangeArrowheads="1"/>
+          </p:cNvPicPr>
+          <p:nvPr/>
+        </p:nvPicPr>
+        <p:blipFill>
+          <a:blip r:embed="rId3">
+            <a:extLst>
+              <a:ext uri="{28A0092B-C50C-407E-A947-70E740481C1C}">
+                <a14:useLocalDpi xmlns:a14="http://schemas.microsoft.com/office/drawing/2010/main" val="0"/>
+              </a:ext>
+            </a:extLst>
+          </a:blip>
+          <a:srcRect/>
+          <a:stretch>
+            <a:fillRect/>
+          </a:stretch>
+        </p:blipFill>
+        <p:spPr bwMode="auto">
+          <a:xfrm>
+            <a:off x="180975" y="2100263"/>
+            <a:ext cx="8780463" cy="2655887"/>
+          </a:xfrm>
+          <a:prstGeom prst="rect">
+            <a:avLst/>
+          </a:prstGeom>
+          <a:noFill/>
+          <a:extLst>
+            <a:ext uri="{909E8E84-426E-40DD-AFC4-6F175D3DCCD1}">
+              <a14:hiddenFill xmlns:a14="http://schemas.microsoft.com/office/drawing/2010/main">
+                <a:solidFill>
+                  <a:srgbClr val="FFFFFF"/>
+                </a:solidFill>
+              </a14:hiddenFill>
+            </a:ext>
+          </a:extLst>
+        </p:spPr>
+      </p:pic>
       <p:sp>
         <p:nvSpPr>
           <p:cNvPr id="12" name="Rechteck 11"/>
@@ -7872,8 +7880,8 @@
         </p:nvSpPr>
         <p:spPr>
           <a:xfrm>
-            <a:off x="467544" y="3933055"/>
-            <a:ext cx="549406" cy="216025"/>
+            <a:off x="220596" y="3143798"/>
+            <a:ext cx="8671883" cy="717250"/>
           </a:xfrm>
           <a:prstGeom prst="rect">
             <a:avLst/>
@@ -7917,7 +7925,7 @@
     </p:spTree>
     <p:extLst>
       <p:ext uri="{BB962C8B-B14F-4D97-AF65-F5344CB8AC3E}">
-        <p14:creationId xmlns:p14="http://schemas.microsoft.com/office/powerpoint/2010/main" val="2729335036"/>
+        <p14:creationId xmlns:p14="http://schemas.microsoft.com/office/powerpoint/2010/main" val="2173326318"/>
       </p:ext>
     </p:extLst>
   </p:cSld>
@@ -7990,12 +7998,12 @@
           <a:lstStyle/>
           <a:p>
             <a:r>
+              <a:rPr lang="en-US" dirty="0"/>
+              <a:t>i</a:t>
+            </a:r>
+            <a:r>
               <a:rPr lang="en-US" dirty="0" smtClean="0"/>
-              <a:t>i18n – </a:t>
-            </a:r>
-            <a:r>
-              <a:rPr lang="en-US" dirty="0" err="1" smtClean="0"/>
-              <a:t>url</a:t>
+              <a:t>18n - Database</a:t>
             </a:r>
             <a:endParaRPr lang="de-CH" dirty="0"/>
           </a:p>
@@ -8003,7 +8011,7 @@
       </p:sp>
       <p:pic>
         <p:nvPicPr>
-          <p:cNvPr id="8" name="Picture 2" descr="E:\codeshop\seo-url.png"/>
+          <p:cNvPr id="5122" name="Picture 2" descr="E:\codeshop\i18n-db.png"/>
           <p:cNvPicPr>
             <a:picLocks noChangeAspect="1" noChangeArrowheads="1"/>
           </p:cNvPicPr>
@@ -8024,8 +8032,8 @@
         </p:blipFill>
         <p:spPr bwMode="auto">
           <a:xfrm>
-            <a:off x="1115616" y="1916832"/>
-            <a:ext cx="7056784" cy="4610130"/>
+            <a:off x="539552" y="2060848"/>
+            <a:ext cx="8292354" cy="4257079"/>
           </a:xfrm>
           <a:prstGeom prst="rect">
             <a:avLst/>
@@ -8044,14 +8052,14 @@
       </p:pic>
       <p:sp>
         <p:nvSpPr>
-          <p:cNvPr id="9" name="Rechteck 8"/>
+          <p:cNvPr id="5" name="Rechteck 4"/>
           <p:cNvSpPr/>
           <p:nvPr/>
         </p:nvSpPr>
         <p:spPr>
           <a:xfrm>
-            <a:off x="2987824" y="2276872"/>
-            <a:ext cx="360040" cy="286276"/>
+            <a:off x="2915816" y="2636912"/>
+            <a:ext cx="2160240" cy="360040"/>
           </a:xfrm>
           <a:prstGeom prst="rect">
             <a:avLst/>
@@ -8092,10 +8100,160 @@
           </a:p>
         </p:txBody>
       </p:sp>
+      <p:sp>
+        <p:nvSpPr>
+          <p:cNvPr id="6" name="Rechteck 5"/>
+          <p:cNvSpPr/>
+          <p:nvPr/>
+        </p:nvSpPr>
+        <p:spPr>
+          <a:xfrm>
+            <a:off x="5292080" y="2636912"/>
+            <a:ext cx="1656184" cy="360040"/>
+          </a:xfrm>
+          <a:prstGeom prst="rect">
+            <a:avLst/>
+          </a:prstGeom>
+          <a:noFill/>
+          <a:ln w="38100">
+            <a:solidFill>
+              <a:schemeClr val="accent1"/>
+            </a:solidFill>
+          </a:ln>
+        </p:spPr>
+        <p:style>
+          <a:lnRef idx="2">
+            <a:schemeClr val="accent1">
+              <a:shade val="50000"/>
+            </a:schemeClr>
+          </a:lnRef>
+          <a:fillRef idx="1">
+            <a:schemeClr val="accent1"/>
+          </a:fillRef>
+          <a:effectRef idx="0">
+            <a:schemeClr val="accent1"/>
+          </a:effectRef>
+          <a:fontRef idx="minor">
+            <a:schemeClr val="lt1"/>
+          </a:fontRef>
+        </p:style>
+        <p:txBody>
+          <a:bodyPr rtlCol="0" anchor="ctr"/>
+          <a:lstStyle/>
+          <a:p>
+            <a:pPr algn="r"/>
+            <a:endParaRPr lang="de-CH" sz="6000" dirty="0">
+              <a:solidFill>
+                <a:srgbClr val="FF0000"/>
+              </a:solidFill>
+            </a:endParaRPr>
+          </a:p>
+        </p:txBody>
+      </p:sp>
+      <p:sp>
+        <p:nvSpPr>
+          <p:cNvPr id="7" name="Rechteck 6"/>
+          <p:cNvSpPr/>
+          <p:nvPr/>
+        </p:nvSpPr>
+        <p:spPr>
+          <a:xfrm>
+            <a:off x="5292080" y="3212976"/>
+            <a:ext cx="2232248" cy="288032"/>
+          </a:xfrm>
+          <a:prstGeom prst="rect">
+            <a:avLst/>
+          </a:prstGeom>
+          <a:noFill/>
+          <a:ln w="38100">
+            <a:solidFill>
+              <a:schemeClr val="accent1"/>
+            </a:solidFill>
+          </a:ln>
+        </p:spPr>
+        <p:style>
+          <a:lnRef idx="2">
+            <a:schemeClr val="accent1">
+              <a:shade val="50000"/>
+            </a:schemeClr>
+          </a:lnRef>
+          <a:fillRef idx="1">
+            <a:schemeClr val="accent1"/>
+          </a:fillRef>
+          <a:effectRef idx="0">
+            <a:schemeClr val="accent1"/>
+          </a:effectRef>
+          <a:fontRef idx="minor">
+            <a:schemeClr val="lt1"/>
+          </a:fontRef>
+        </p:style>
+        <p:txBody>
+          <a:bodyPr rtlCol="0" anchor="ctr"/>
+          <a:lstStyle/>
+          <a:p>
+            <a:pPr algn="r"/>
+            <a:endParaRPr lang="de-CH" sz="6000" dirty="0">
+              <a:solidFill>
+                <a:srgbClr val="FF0000"/>
+              </a:solidFill>
+            </a:endParaRPr>
+          </a:p>
+        </p:txBody>
+      </p:sp>
+      <p:sp>
+        <p:nvSpPr>
+          <p:cNvPr id="8" name="Rechteck 7"/>
+          <p:cNvSpPr/>
+          <p:nvPr/>
+        </p:nvSpPr>
+        <p:spPr>
+          <a:xfrm>
+            <a:off x="539552" y="3789040"/>
+            <a:ext cx="6984776" cy="504056"/>
+          </a:xfrm>
+          <a:prstGeom prst="rect">
+            <a:avLst/>
+          </a:prstGeom>
+          <a:noFill/>
+          <a:ln w="38100">
+            <a:solidFill>
+              <a:schemeClr val="accent1"/>
+            </a:solidFill>
+          </a:ln>
+        </p:spPr>
+        <p:style>
+          <a:lnRef idx="2">
+            <a:schemeClr val="accent1">
+              <a:shade val="50000"/>
+            </a:schemeClr>
+          </a:lnRef>
+          <a:fillRef idx="1">
+            <a:schemeClr val="accent1"/>
+          </a:fillRef>
+          <a:effectRef idx="0">
+            <a:schemeClr val="accent1"/>
+          </a:effectRef>
+          <a:fontRef idx="minor">
+            <a:schemeClr val="lt1"/>
+          </a:fontRef>
+        </p:style>
+        <p:txBody>
+          <a:bodyPr rtlCol="0" anchor="ctr"/>
+          <a:lstStyle/>
+          <a:p>
+            <a:pPr algn="r"/>
+            <a:endParaRPr lang="de-CH" sz="6000" dirty="0">
+              <a:solidFill>
+                <a:srgbClr val="FF0000"/>
+              </a:solidFill>
+            </a:endParaRPr>
+          </a:p>
+        </p:txBody>
+      </p:sp>
     </p:spTree>
     <p:extLst>
       <p:ext uri="{BB962C8B-B14F-4D97-AF65-F5344CB8AC3E}">
-        <p14:creationId xmlns:p14="http://schemas.microsoft.com/office/powerpoint/2010/main" val="243466116"/>
+        <p14:creationId xmlns:p14="http://schemas.microsoft.com/office/powerpoint/2010/main" val="1911133426"/>
       </p:ext>
     </p:extLst>
   </p:cSld>
